--- a/Slides/EF/3 - Coding Data Operations.pptx
+++ b/Slides/EF/3 - Coding Data Operations.pptx
@@ -10,21 +10,24 @@
     <p:sldId id="274" r:id="rId4"/>
     <p:sldId id="279" r:id="rId5"/>
     <p:sldId id="285" r:id="rId6"/>
-    <p:sldId id="280" r:id="rId7"/>
-    <p:sldId id="282" r:id="rId8"/>
-    <p:sldId id="286" r:id="rId9"/>
-    <p:sldId id="283" r:id="rId10"/>
-    <p:sldId id="287" r:id="rId11"/>
-    <p:sldId id="284" r:id="rId12"/>
-    <p:sldId id="288" r:id="rId13"/>
-    <p:sldId id="261" r:id="rId14"/>
-    <p:sldId id="262" r:id="rId15"/>
-    <p:sldId id="263" r:id="rId16"/>
-    <p:sldId id="264" r:id="rId17"/>
-    <p:sldId id="265" r:id="rId18"/>
-    <p:sldId id="266" r:id="rId19"/>
-    <p:sldId id="257" r:id="rId20"/>
-    <p:sldId id="258" r:id="rId21"/>
+    <p:sldId id="290" r:id="rId7"/>
+    <p:sldId id="291" r:id="rId8"/>
+    <p:sldId id="292" r:id="rId9"/>
+    <p:sldId id="293" r:id="rId10"/>
+    <p:sldId id="294" r:id="rId11"/>
+    <p:sldId id="295" r:id="rId12"/>
+    <p:sldId id="296" r:id="rId13"/>
+    <p:sldId id="280" r:id="rId14"/>
+    <p:sldId id="298" r:id="rId15"/>
+    <p:sldId id="297" r:id="rId16"/>
+    <p:sldId id="299" r:id="rId17"/>
+    <p:sldId id="300" r:id="rId18"/>
+    <p:sldId id="301" r:id="rId19"/>
+    <p:sldId id="302" r:id="rId20"/>
+    <p:sldId id="303" r:id="rId21"/>
+    <p:sldId id="304" r:id="rId22"/>
+    <p:sldId id="258" r:id="rId23"/>
+    <p:sldId id="257" r:id="rId24"/>
   </p:sldIdLst>
   <p:sldSz cx="9144000" cy="6858000" type="screen4x3"/>
   <p:notesSz cx="6858000" cy="9144000"/>
@@ -3107,7 +3110,7 @@
           <a:p>
             <a:r>
               <a:rPr lang="en-US" dirty="0" smtClean="0"/>
-              <a:t>Eager Loading</a:t>
+              <a:t>Explicit Loading</a:t>
             </a:r>
             <a:endParaRPr lang="en-US" dirty="0"/>
           </a:p>
@@ -3130,8 +3133,60 @@
           <a:p>
             <a:r>
               <a:rPr lang="en-US" dirty="0" smtClean="0"/>
-              <a:t>.Include().Select()</a:t>
-            </a:r>
+              <a:t>Like lazy, but you have to specify the load</a:t>
+            </a:r>
+          </a:p>
+          <a:p>
+            <a:r>
+              <a:rPr lang="en-US" dirty="0" smtClean="0"/>
+              <a:t>Why?</a:t>
+            </a:r>
+          </a:p>
+          <a:p>
+            <a:pPr lvl="1"/>
+            <a:r>
+              <a:rPr lang="en-US" dirty="0" smtClean="0"/>
+              <a:t>Don’t have to mark things as virtual</a:t>
+            </a:r>
+          </a:p>
+          <a:p>
+            <a:pPr lvl="1"/>
+            <a:r>
+              <a:rPr lang="en-US" dirty="0" smtClean="0"/>
+              <a:t>Existing class library that is not marked virtual</a:t>
+            </a:r>
+          </a:p>
+          <a:p>
+            <a:pPr lvl="1"/>
+            <a:r>
+              <a:rPr lang="en-US" dirty="0" smtClean="0"/>
+              <a:t>You are in complete control</a:t>
+            </a:r>
+          </a:p>
+          <a:p>
+            <a:r>
+              <a:rPr lang="en-US" dirty="0" smtClean="0"/>
+              <a:t>How?</a:t>
+            </a:r>
+          </a:p>
+          <a:p>
+            <a:pPr lvl="1"/>
+            <a:r>
+              <a:rPr lang="en-US" dirty="0" err="1" smtClean="0"/>
+              <a:t>DbContext.Entry</a:t>
+            </a:r>
+            <a:r>
+              <a:rPr lang="en-US" dirty="0" smtClean="0"/>
+              <a:t> method</a:t>
+            </a:r>
+            <a:endParaRPr lang="en-US" dirty="0"/>
+          </a:p>
+          <a:p>
+            <a:pPr lvl="1"/>
+            <a:endParaRPr lang="en-US" dirty="0" smtClean="0"/>
+          </a:p>
+          <a:p>
+            <a:pPr lvl="1"/>
             <a:endParaRPr lang="en-US" dirty="0"/>
           </a:p>
         </p:txBody>
@@ -3139,7 +3194,7 @@
     </p:spTree>
     <p:extLst>
       <p:ext uri="{BB962C8B-B14F-4D97-AF65-F5344CB8AC3E}">
-        <p14:creationId xmlns:p14="http://schemas.microsoft.com/office/powerpoint/2010/main" val="3580507311"/>
+        <p14:creationId xmlns:p14="http://schemas.microsoft.com/office/powerpoint/2010/main" val="918062785"/>
       </p:ext>
     </p:extLst>
   </p:cSld>
@@ -3183,7 +3238,7 @@
           <a:p>
             <a:r>
               <a:rPr lang="en-US" dirty="0" smtClean="0"/>
-              <a:t>Load a complete object graph</a:t>
+              <a:t>Checking if a Navigation Property is Loaded</a:t>
             </a:r>
             <a:endParaRPr lang="en-US" dirty="0"/>
           </a:p>
@@ -3204,14 +3259,22 @@
           <a:bodyPr/>
           <a:lstStyle/>
           <a:p>
-            <a:endParaRPr lang="en-US"/>
+            <a:r>
+              <a:rPr lang="en-US" dirty="0" smtClean="0"/>
+              <a:t>.Collection().</a:t>
+            </a:r>
+            <a:r>
+              <a:rPr lang="en-US" dirty="0" err="1" smtClean="0"/>
+              <a:t>IsLoaded</a:t>
+            </a:r>
+            <a:endParaRPr lang="en-US" dirty="0"/>
           </a:p>
         </p:txBody>
       </p:sp>
     </p:spTree>
     <p:extLst>
       <p:ext uri="{BB962C8B-B14F-4D97-AF65-F5344CB8AC3E}">
-        <p14:creationId xmlns:p14="http://schemas.microsoft.com/office/powerpoint/2010/main" val="4003005511"/>
+        <p14:creationId xmlns:p14="http://schemas.microsoft.com/office/powerpoint/2010/main" val="1084353017"/>
       </p:ext>
     </p:extLst>
   </p:cSld>
@@ -3255,54 +3318,53 @@
           <a:p>
             <a:r>
               <a:rPr lang="en-US" dirty="0" smtClean="0"/>
-              <a:t>Execute </a:t>
+              <a:t>Querying contents of a Collection Navigation Property</a:t>
+            </a:r>
+            <a:endParaRPr lang="en-US" dirty="0"/>
+          </a:p>
+        </p:txBody>
+      </p:sp>
+      <p:sp>
+        <p:nvSpPr>
+          <p:cNvPr id="3" name="Content Placeholder 2"/>
+          <p:cNvSpPr>
+            <a:spLocks noGrp="1"/>
+          </p:cNvSpPr>
+          <p:nvPr>
+            <p:ph idx="1"/>
+          </p:nvPr>
+        </p:nvSpPr>
+        <p:spPr/>
+        <p:txBody>
+          <a:bodyPr/>
+          <a:lstStyle/>
+          <a:p>
+            <a:r>
+              <a:rPr lang="en-US" dirty="0" smtClean="0"/>
+              <a:t>LINQ based query will bring back all data</a:t>
+            </a:r>
+          </a:p>
+          <a:p>
+            <a:r>
+              <a:rPr lang="en-US" dirty="0" smtClean="0"/>
+              <a:t>Using a </a:t>
             </a:r>
             <a:r>
               <a:rPr lang="en-US" dirty="0" err="1" smtClean="0"/>
-              <a:t>aggs</a:t>
-            </a:r>
-            <a:r>
-              <a:rPr lang="en-US" dirty="0" smtClean="0"/>
-              <a:t> on </a:t>
-            </a:r>
-            <a:r>
-              <a:rPr lang="en-US" smtClean="0"/>
-              <a:t>related entities</a:t>
-            </a:r>
-            <a:br>
-              <a:rPr lang="en-US" smtClean="0"/>
-            </a:br>
-            <a:r>
-              <a:rPr lang="en-US" smtClean="0"/>
-              <a:t>5-10</a:t>
-            </a:r>
-            <a:endParaRPr lang="en-US"/>
-          </a:p>
-        </p:txBody>
-      </p:sp>
-      <p:sp>
-        <p:nvSpPr>
-          <p:cNvPr id="3" name="Content Placeholder 2"/>
-          <p:cNvSpPr>
-            <a:spLocks noGrp="1"/>
-          </p:cNvSpPr>
-          <p:nvPr>
-            <p:ph idx="1"/>
-          </p:nvPr>
-        </p:nvSpPr>
-        <p:spPr/>
-        <p:txBody>
-          <a:bodyPr/>
-          <a:lstStyle/>
-          <a:p>
-            <a:endParaRPr lang="en-US"/>
+              <a:t>Entry.Collection</a:t>
+            </a:r>
+            <a:r>
+              <a:rPr lang="en-US" dirty="0" smtClean="0"/>
+              <a:t> will push it to the server</a:t>
+            </a:r>
+            <a:endParaRPr lang="en-US" dirty="0"/>
           </a:p>
         </p:txBody>
       </p:sp>
     </p:spTree>
     <p:extLst>
       <p:ext uri="{BB962C8B-B14F-4D97-AF65-F5344CB8AC3E}">
-        <p14:creationId xmlns:p14="http://schemas.microsoft.com/office/powerpoint/2010/main" val="1305851832"/>
+        <p14:creationId xmlns:p14="http://schemas.microsoft.com/office/powerpoint/2010/main" val="14194146"/>
       </p:ext>
     </p:extLst>
   </p:cSld>
@@ -3346,7 +3408,7 @@
           <a:p>
             <a:r>
               <a:rPr lang="en-US" dirty="0" smtClean="0"/>
-              <a:t>Diagramming</a:t>
+              <a:t>Table based CRUD</a:t>
             </a:r>
             <a:endParaRPr lang="en-US" dirty="0"/>
           </a:p>
@@ -3369,22 +3431,26 @@
           <a:p>
             <a:r>
               <a:rPr lang="en-US" dirty="0" smtClean="0"/>
-              <a:t>Create new and add entities</a:t>
-            </a:r>
-          </a:p>
-          <a:p>
-            <a:r>
-              <a:rPr lang="en-US" dirty="0" smtClean="0"/>
-              <a:t>Removing items from a diagram</a:t>
-            </a:r>
-          </a:p>
-          <a:p>
-            <a:r>
-              <a:rPr lang="en-US" dirty="0" smtClean="0"/>
-              <a:t>Create new diagram from selected entities</a:t>
-            </a:r>
-          </a:p>
-          <a:p>
+              <a:t>Get entities in a table</a:t>
+            </a:r>
+          </a:p>
+          <a:p>
+            <a:r>
+              <a:rPr lang="en-US" dirty="0" smtClean="0"/>
+              <a:t>Add entities</a:t>
+            </a:r>
+          </a:p>
+          <a:p>
+            <a:r>
+              <a:rPr lang="en-US" dirty="0" smtClean="0"/>
+              <a:t>Delete entities</a:t>
+            </a:r>
+          </a:p>
+          <a:p>
+            <a:r>
+              <a:rPr lang="en-US" dirty="0" smtClean="0"/>
+              <a:t>Update</a:t>
+            </a:r>
             <a:endParaRPr lang="en-US" dirty="0"/>
           </a:p>
         </p:txBody>
@@ -3392,7 +3458,7 @@
     </p:spTree>
     <p:extLst>
       <p:ext uri="{BB962C8B-B14F-4D97-AF65-F5344CB8AC3E}">
-        <p14:creationId xmlns:p14="http://schemas.microsoft.com/office/powerpoint/2010/main" val="507314310"/>
+        <p14:creationId xmlns:p14="http://schemas.microsoft.com/office/powerpoint/2010/main" val="2639347550"/>
       </p:ext>
     </p:extLst>
   </p:cSld>
@@ -3436,7 +3502,7 @@
           <a:p>
             <a:r>
               <a:rPr lang="en-US" dirty="0" smtClean="0"/>
-              <a:t>Update model from DB</a:t>
+              <a:t>Note</a:t>
             </a:r>
             <a:endParaRPr lang="en-US" dirty="0"/>
           </a:p>
@@ -3459,51 +3525,8 @@
           <a:p>
             <a:r>
               <a:rPr lang="en-US" dirty="0" smtClean="0"/>
-              <a:t>Add a column to a table</a:t>
-            </a:r>
-          </a:p>
-          <a:p>
-            <a:r>
-              <a:rPr lang="en-US" dirty="0" smtClean="0"/>
-              <a:t>Add new table</a:t>
-            </a:r>
-          </a:p>
-          <a:p>
-            <a:r>
-              <a:rPr lang="en-US" dirty="0" smtClean="0"/>
-              <a:t>Update model from </a:t>
-            </a:r>
-            <a:r>
-              <a:rPr lang="en-US" dirty="0" err="1" smtClean="0"/>
-              <a:t>db</a:t>
-            </a:r>
-            <a:r>
-              <a:rPr lang="en-US" dirty="0" smtClean="0"/>
-              <a:t> option</a:t>
-            </a:r>
-          </a:p>
-          <a:p>
-            <a:r>
-              <a:rPr lang="en-US" dirty="0" smtClean="0"/>
-              <a:t>Designer will not alter or remove existing properties</a:t>
-            </a:r>
-          </a:p>
-          <a:p>
-            <a:pPr lvl="1"/>
-            <a:r>
-              <a:rPr lang="en-US" dirty="0" smtClean="0"/>
-              <a:t>Validate model will show this</a:t>
-            </a:r>
-          </a:p>
-          <a:p>
-            <a:pPr lvl="1"/>
-            <a:r>
-              <a:rPr lang="en-US" dirty="0" smtClean="0"/>
-              <a:t>Change property type manually</a:t>
-            </a:r>
-          </a:p>
-          <a:p>
-            <a:pPr lvl="1"/>
+              <a:t>EF Completely tracks state changes to all objects</a:t>
+            </a:r>
             <a:endParaRPr lang="en-US" dirty="0"/>
           </a:p>
         </p:txBody>
@@ -3511,7 +3534,7 @@
     </p:spTree>
     <p:extLst>
       <p:ext uri="{BB962C8B-B14F-4D97-AF65-F5344CB8AC3E}">
-        <p14:creationId xmlns:p14="http://schemas.microsoft.com/office/powerpoint/2010/main" val="450648319"/>
+        <p14:creationId xmlns:p14="http://schemas.microsoft.com/office/powerpoint/2010/main" val="344860711"/>
       </p:ext>
     </p:extLst>
   </p:cSld>
@@ -3555,7 +3578,7 @@
           <a:p>
             <a:r>
               <a:rPr lang="en-US" dirty="0" smtClean="0"/>
-              <a:t>Stored procedures</a:t>
+              <a:t>Adding a new entity</a:t>
             </a:r>
             <a:endParaRPr lang="en-US" dirty="0"/>
           </a:p>
@@ -3578,40 +3601,74 @@
           <a:p>
             <a:r>
               <a:rPr lang="en-US" dirty="0" smtClean="0"/>
-              <a:t>Show that function parameters are created</a:t>
-            </a:r>
-          </a:p>
-          <a:p>
-            <a:r>
-              <a:rPr lang="en-US" dirty="0"/>
-              <a:t>Results are complex types</a:t>
+              <a:t>Add it to the appropriate property of the context</a:t>
             </a:r>
           </a:p>
           <a:p>
             <a:pPr lvl="1"/>
             <a:r>
-              <a:rPr lang="en-US" dirty="0" smtClean="0"/>
-              <a:t>Can remove to map to another entity</a:t>
-            </a:r>
-          </a:p>
-          <a:p>
-            <a:r>
-              <a:rPr lang="en-US" dirty="0" smtClean="0"/>
-              <a:t>Show how to reference but not create functions</a:t>
-            </a:r>
-          </a:p>
-          <a:p>
-            <a:r>
-              <a:rPr lang="en-US" dirty="0" smtClean="0"/>
-              <a:t>Show how to map functions like delete to stored </a:t>
-            </a:r>
-            <a:r>
               <a:rPr lang="en-US" dirty="0" err="1" smtClean="0"/>
-              <a:t>procs</a:t>
-            </a:r>
+              <a:t>DbContext</a:t>
+            </a:r>
+            <a:r>
+              <a:rPr lang="en-US" dirty="0" smtClean="0"/>
+              <a:t>.[Property].Add(object)</a:t>
+            </a:r>
+          </a:p>
+          <a:p>
+            <a:r>
+              <a:rPr lang="en-US" dirty="0" smtClean="0"/>
+              <a:t>Then</a:t>
+            </a:r>
+          </a:p>
+          <a:p>
+            <a:pPr lvl="1"/>
+            <a:r>
+              <a:rPr lang="en-US" dirty="0" err="1" smtClean="0"/>
+              <a:t>DbContext.SaveChanges</a:t>
+            </a:r>
+            <a:r>
+              <a:rPr lang="en-US" dirty="0" smtClean="0"/>
+              <a:t>()</a:t>
+            </a:r>
+          </a:p>
+          <a:p>
+            <a:pPr lvl="1"/>
+            <a:endParaRPr lang="en-US" dirty="0"/>
+          </a:p>
+          <a:p>
+            <a:pPr lvl="1"/>
             <a:endParaRPr lang="en-US" dirty="0" smtClean="0"/>
           </a:p>
           <a:p>
+            <a:pPr lvl="1"/>
+            <a:endParaRPr lang="en-US" dirty="0"/>
+          </a:p>
+          <a:p>
+            <a:r>
+              <a:rPr lang="en-US" dirty="0" smtClean="0"/>
+              <a:t>Different from </a:t>
+            </a:r>
+            <a:r>
+              <a:rPr lang="en-US" dirty="0" err="1" smtClean="0"/>
+              <a:t>Nhibernate</a:t>
+            </a:r>
+            <a:endParaRPr lang="en-US" dirty="0"/>
+          </a:p>
+          <a:p>
+            <a:pPr lvl="1"/>
+            <a:r>
+              <a:rPr lang="en-US" dirty="0" smtClean="0"/>
+              <a:t>EF collects all object changes until you save </a:t>
+            </a:r>
+            <a:r>
+              <a:rPr lang="en-US" dirty="0" err="1" smtClean="0"/>
+              <a:t>SaveChanges</a:t>
+            </a:r>
+            <a:r>
+              <a:rPr lang="en-US" dirty="0" smtClean="0"/>
+              <a:t> and then does them in bulk</a:t>
+            </a:r>
             <a:endParaRPr lang="en-US" dirty="0"/>
           </a:p>
         </p:txBody>
@@ -3619,7 +3676,7 @@
     </p:spTree>
     <p:extLst>
       <p:ext uri="{BB962C8B-B14F-4D97-AF65-F5344CB8AC3E}">
-        <p14:creationId xmlns:p14="http://schemas.microsoft.com/office/powerpoint/2010/main" val="3649083358"/>
+        <p14:creationId xmlns:p14="http://schemas.microsoft.com/office/powerpoint/2010/main" val="3756401994"/>
       </p:ext>
     </p:extLst>
   </p:cSld>
@@ -3662,127 +3719,52 @@
           <a:lstStyle/>
           <a:p>
             <a:r>
+              <a:rPr lang="en-US" dirty="0" smtClean="0"/>
+              <a:t>Updating an Entity</a:t>
+            </a:r>
+            <a:endParaRPr lang="en-US" dirty="0"/>
+          </a:p>
+        </p:txBody>
+      </p:sp>
+      <p:sp>
+        <p:nvSpPr>
+          <p:cNvPr id="3" name="Content Placeholder 2"/>
+          <p:cNvSpPr>
+            <a:spLocks noGrp="1"/>
+          </p:cNvSpPr>
+          <p:nvPr>
+            <p:ph idx="1"/>
+          </p:nvPr>
+        </p:nvSpPr>
+        <p:spPr/>
+        <p:txBody>
+          <a:bodyPr/>
+          <a:lstStyle/>
+          <a:p>
+            <a:r>
+              <a:rPr lang="en-US" dirty="0" smtClean="0"/>
+              <a:t>Simply change a property and call </a:t>
+            </a:r>
+            <a:r>
               <a:rPr lang="en-US" dirty="0" err="1" smtClean="0"/>
-              <a:t>Enum</a:t>
-            </a:r>
-            <a:r>
-              <a:rPr lang="en-US" dirty="0" smtClean="0"/>
-              <a:t> support</a:t>
-            </a:r>
-            <a:endParaRPr lang="en-US" dirty="0"/>
-          </a:p>
-        </p:txBody>
-      </p:sp>
-      <p:sp>
-        <p:nvSpPr>
-          <p:cNvPr id="3" name="Content Placeholder 2"/>
-          <p:cNvSpPr>
-            <a:spLocks noGrp="1"/>
-          </p:cNvSpPr>
-          <p:nvPr>
-            <p:ph idx="1"/>
-          </p:nvPr>
-        </p:nvSpPr>
-        <p:spPr/>
-        <p:txBody>
-          <a:bodyPr/>
-          <a:lstStyle/>
-          <a:p>
-            <a:r>
-              <a:rPr lang="en-US" dirty="0" smtClean="0"/>
-              <a:t>Requires </a:t>
-            </a:r>
-            <a:r>
-              <a:rPr lang="en-US" dirty="0" err="1" smtClean="0"/>
-              <a:t>.net</a:t>
-            </a:r>
-            <a:r>
-              <a:rPr lang="en-US" dirty="0" smtClean="0"/>
-              <a:t> 4.5</a:t>
-            </a:r>
-          </a:p>
-          <a:p>
-            <a:r>
-              <a:rPr lang="en-US" dirty="0" smtClean="0"/>
-              <a:t>Change ship method property to </a:t>
-            </a:r>
-            <a:r>
-              <a:rPr lang="en-US" dirty="0" err="1" smtClean="0"/>
-              <a:t>enum</a:t>
-            </a:r>
-            <a:endParaRPr lang="en-US" dirty="0" smtClean="0"/>
-          </a:p>
-          <a:p>
-            <a:r>
-              <a:rPr lang="en-US" dirty="0" smtClean="0"/>
-              <a:t>Add new </a:t>
-            </a:r>
-            <a:r>
-              <a:rPr lang="en-US" dirty="0" err="1" smtClean="0"/>
-              <a:t>enum</a:t>
-            </a:r>
-            <a:r>
-              <a:rPr lang="en-US" dirty="0" smtClean="0"/>
-              <a:t> type</a:t>
-            </a:r>
-          </a:p>
-          <a:p>
-            <a:pPr lvl="1"/>
-            <a:r>
-              <a:rPr lang="en-US" dirty="0" smtClean="0"/>
-              <a:t>Specify </a:t>
-            </a:r>
-            <a:r>
-              <a:rPr lang="en-US" dirty="0" err="1" smtClean="0"/>
-              <a:t>enum</a:t>
-            </a:r>
-            <a:r>
-              <a:rPr lang="en-US" dirty="0" smtClean="0"/>
-              <a:t> values</a:t>
-            </a:r>
-          </a:p>
-          <a:p>
-            <a:pPr lvl="2"/>
-            <a:r>
-              <a:rPr lang="en-US" dirty="0" smtClean="0"/>
-              <a:t>Land, sea, air, …</a:t>
-            </a:r>
-          </a:p>
-          <a:p>
-            <a:r>
-              <a:rPr lang="en-US" dirty="0" smtClean="0"/>
-              <a:t>Change type of ship method to the </a:t>
-            </a:r>
-            <a:r>
-              <a:rPr lang="en-US" dirty="0" err="1" smtClean="0"/>
-              <a:t>enum</a:t>
-            </a:r>
-            <a:endParaRPr lang="en-US" dirty="0" smtClean="0"/>
-          </a:p>
-          <a:p>
-            <a:r>
-              <a:rPr lang="en-US" dirty="0" smtClean="0"/>
-              <a:t>Show how to use an existing </a:t>
-            </a:r>
-            <a:r>
-              <a:rPr lang="en-US" dirty="0" err="1" smtClean="0"/>
-              <a:t>enum</a:t>
-            </a:r>
-            <a:endParaRPr lang="en-US" dirty="0" smtClean="0"/>
-          </a:p>
-          <a:p>
-            <a:pPr lvl="1"/>
-            <a:r>
-              <a:rPr lang="en-US" dirty="0" err="1" smtClean="0"/>
-              <a:t>Enum</a:t>
-            </a:r>
-            <a:r>
-              <a:rPr lang="en-US" dirty="0" smtClean="0"/>
-              <a:t> type name must match and use reference</a:t>
-            </a:r>
-          </a:p>
-          <a:p>
-            <a:pPr lvl="1"/>
+              <a:t>SaveChanges</a:t>
+            </a:r>
+            <a:r>
+              <a:rPr lang="en-US" dirty="0" smtClean="0"/>
+              <a:t> on the context</a:t>
+            </a:r>
+          </a:p>
+          <a:p>
+            <a:r>
+              <a:rPr lang="en-US" dirty="0" smtClean="0"/>
+              <a:t>EF tracks all entity property changes </a:t>
+            </a:r>
+            <a:r>
+              <a:rPr lang="en-US" dirty="0" smtClean="0">
+                <a:sym typeface="Wingdings" panose="05000000000000000000" pitchFamily="2" charset="2"/>
+              </a:rPr>
+              <a:t></a:t>
+            </a:r>
             <a:endParaRPr lang="en-US" dirty="0"/>
           </a:p>
         </p:txBody>
@@ -3790,7 +3772,7 @@
     </p:spTree>
     <p:extLst>
       <p:ext uri="{BB962C8B-B14F-4D97-AF65-F5344CB8AC3E}">
-        <p14:creationId xmlns:p14="http://schemas.microsoft.com/office/powerpoint/2010/main" val="209619406"/>
+        <p14:creationId xmlns:p14="http://schemas.microsoft.com/office/powerpoint/2010/main" val="3749841540"/>
       </p:ext>
     </p:extLst>
   </p:cSld>
@@ -3834,7 +3816,7 @@
           <a:p>
             <a:r>
               <a:rPr lang="en-US" dirty="0" smtClean="0"/>
-              <a:t>Geo modeling</a:t>
+              <a:t>Deleting an Entity</a:t>
             </a:r>
             <a:endParaRPr lang="en-US" dirty="0"/>
           </a:p>
@@ -3857,16 +3839,16 @@
           <a:p>
             <a:r>
               <a:rPr lang="en-US" dirty="0" smtClean="0"/>
-              <a:t>Geolocation</a:t>
-            </a:r>
-          </a:p>
-          <a:p>
-            <a:r>
-              <a:rPr lang="en-US" dirty="0" smtClean="0"/>
-              <a:t>Add it to the database table</a:t>
-            </a:r>
-          </a:p>
-          <a:p>
+              <a:t>.Remove on the collection, then .</a:t>
+            </a:r>
+            <a:r>
+              <a:rPr lang="en-US" dirty="0" err="1" smtClean="0"/>
+              <a:t>SaveChanges</a:t>
+            </a:r>
+            <a:r>
+              <a:rPr lang="en-US" dirty="0" smtClean="0"/>
+              <a:t>()</a:t>
+            </a:r>
             <a:endParaRPr lang="en-US" dirty="0"/>
           </a:p>
         </p:txBody>
@@ -3874,7 +3856,7 @@
     </p:spTree>
     <p:extLst>
       <p:ext uri="{BB962C8B-B14F-4D97-AF65-F5344CB8AC3E}">
-        <p14:creationId xmlns:p14="http://schemas.microsoft.com/office/powerpoint/2010/main" val="1540996816"/>
+        <p14:creationId xmlns:p14="http://schemas.microsoft.com/office/powerpoint/2010/main" val="3636441088"/>
       </p:ext>
     </p:extLst>
   </p:cSld>
@@ -3918,7 +3900,7 @@
           <a:p>
             <a:r>
               <a:rPr lang="en-US" dirty="0" smtClean="0"/>
-              <a:t>Keys on views</a:t>
+              <a:t>Delete without Load</a:t>
             </a:r>
             <a:endParaRPr lang="en-US" dirty="0"/>
           </a:p>
@@ -3941,18 +3923,36 @@
           <a:p>
             <a:r>
               <a:rPr lang="en-US" dirty="0" smtClean="0"/>
-              <a:t>No primary and no non-</a:t>
-            </a:r>
-            <a:r>
-              <a:rPr lang="en-US" dirty="0" err="1" smtClean="0"/>
-              <a:t>nullable</a:t>
-            </a:r>
-            <a:r>
-              <a:rPr lang="en-US" dirty="0" smtClean="0"/>
-              <a:t>, then not imported</a:t>
-            </a:r>
-          </a:p>
-          <a:p>
+              <a:t>Use a stub object</a:t>
+            </a:r>
+          </a:p>
+          <a:p>
+            <a:r>
+              <a:rPr lang="en-US" dirty="0" smtClean="0"/>
+              <a:t>.Attach the stub to the collection</a:t>
+            </a:r>
+          </a:p>
+          <a:p>
+            <a:r>
+              <a:rPr lang="en-US" dirty="0" smtClean="0"/>
+              <a:t>Then .Remove it</a:t>
+            </a:r>
+          </a:p>
+          <a:p>
+            <a:endParaRPr lang="en-US" dirty="0"/>
+          </a:p>
+          <a:p>
+            <a:r>
+              <a:rPr lang="en-US" dirty="0" smtClean="0"/>
+              <a:t>Note:</a:t>
+            </a:r>
+          </a:p>
+          <a:p>
+            <a:pPr lvl="1"/>
+            <a:r>
+              <a:rPr lang="en-US" dirty="0" smtClean="0"/>
+              <a:t>Can’t attach an object already in memory</a:t>
+            </a:r>
             <a:endParaRPr lang="en-US" dirty="0"/>
           </a:p>
         </p:txBody>
@@ -3960,7 +3960,7 @@
     </p:spTree>
     <p:extLst>
       <p:ext uri="{BB962C8B-B14F-4D97-AF65-F5344CB8AC3E}">
-        <p14:creationId xmlns:p14="http://schemas.microsoft.com/office/powerpoint/2010/main" val="1213220085"/>
+        <p14:creationId xmlns:p14="http://schemas.microsoft.com/office/powerpoint/2010/main" val="3453717246"/>
       </p:ext>
     </p:extLst>
   </p:cSld>
@@ -4004,7 +4004,7 @@
           <a:p>
             <a:r>
               <a:rPr lang="en-US" dirty="0" smtClean="0"/>
-              <a:t>Demo</a:t>
+              <a:t>Delete with relationships</a:t>
             </a:r>
             <a:endParaRPr lang="en-US" dirty="0"/>
           </a:p>
@@ -4025,14 +4025,45 @@
           <a:bodyPr/>
           <a:lstStyle/>
           <a:p>
-            <a:endParaRPr lang="en-US"/>
+            <a:r>
+              <a:rPr lang="en-US" dirty="0" smtClean="0"/>
+              <a:t>What happens depends on the relationship</a:t>
+            </a:r>
+          </a:p>
+          <a:p>
+            <a:pPr lvl="1"/>
+            <a:r>
+              <a:rPr lang="en-US" dirty="0" smtClean="0"/>
+              <a:t>Optional, child will not be deleted (Reservation in our example can exist without a Trip).</a:t>
+            </a:r>
+          </a:p>
+          <a:p>
+            <a:pPr lvl="1"/>
+            <a:r>
+              <a:rPr lang="en-US" dirty="0" smtClean="0"/>
+              <a:t>Required, child will be deleted (Lodging cannot exist without a Destination)</a:t>
+            </a:r>
+          </a:p>
+          <a:p>
+            <a:r>
+              <a:rPr lang="en-US" dirty="0" smtClean="0"/>
+              <a:t>Deleting a parent of an optional, then the relationship will be deleted</a:t>
+            </a:r>
+          </a:p>
+          <a:p>
+            <a:pPr lvl="1"/>
+            <a:r>
+              <a:rPr lang="en-US" dirty="0" smtClean="0"/>
+              <a:t>Null pointers back to the parent in the FK</a:t>
+            </a:r>
+            <a:endParaRPr lang="en-US" dirty="0"/>
           </a:p>
         </p:txBody>
       </p:sp>
     </p:spTree>
     <p:extLst>
       <p:ext uri="{BB962C8B-B14F-4D97-AF65-F5344CB8AC3E}">
-        <p14:creationId xmlns:p14="http://schemas.microsoft.com/office/powerpoint/2010/main" val="1874241560"/>
+        <p14:creationId xmlns:p14="http://schemas.microsoft.com/office/powerpoint/2010/main" val="1275208569"/>
       </p:ext>
     </p:extLst>
   </p:cSld>
@@ -4188,6 +4219,246 @@
           <a:lstStyle/>
           <a:p>
             <a:r>
+              <a:rPr lang="en-US" dirty="0" smtClean="0"/>
+              <a:t>Change Tracking</a:t>
+            </a:r>
+            <a:endParaRPr lang="en-US" dirty="0"/>
+          </a:p>
+        </p:txBody>
+      </p:sp>
+      <p:sp>
+        <p:nvSpPr>
+          <p:cNvPr id="3" name="Content Placeholder 2"/>
+          <p:cNvSpPr>
+            <a:spLocks noGrp="1"/>
+          </p:cNvSpPr>
+          <p:nvPr>
+            <p:ph idx="1"/>
+          </p:nvPr>
+        </p:nvSpPr>
+        <p:spPr/>
+        <p:txBody>
+          <a:bodyPr/>
+          <a:lstStyle/>
+          <a:p>
+            <a:r>
+              <a:rPr lang="en-US" dirty="0" err="1" smtClean="0"/>
+              <a:t>DbContext</a:t>
+            </a:r>
+            <a:r>
+              <a:rPr lang="en-US" dirty="0" smtClean="0"/>
+              <a:t> has a </a:t>
+            </a:r>
+            <a:r>
+              <a:rPr lang="en-US" dirty="0" err="1" smtClean="0"/>
+              <a:t>ChangeTracker</a:t>
+            </a:r>
+            <a:r>
+              <a:rPr lang="en-US" dirty="0" smtClean="0"/>
+              <a:t> property</a:t>
+            </a:r>
+          </a:p>
+          <a:p>
+            <a:r>
+              <a:rPr lang="en-US" dirty="0" smtClean="0"/>
+              <a:t>Each object is tracked, and change state can be found with </a:t>
+            </a:r>
+            <a:r>
+              <a:rPr lang="en-US" dirty="0" err="1" smtClean="0"/>
+              <a:t>DbContext.Entry</a:t>
+            </a:r>
+            <a:r>
+              <a:rPr lang="en-US" dirty="0" smtClean="0"/>
+              <a:t>(object).State</a:t>
+            </a:r>
+          </a:p>
+          <a:p>
+            <a:endParaRPr lang="en-US" dirty="0"/>
+          </a:p>
+        </p:txBody>
+      </p:sp>
+    </p:spTree>
+    <p:extLst>
+      <p:ext uri="{BB962C8B-B14F-4D97-AF65-F5344CB8AC3E}">
+        <p14:creationId xmlns:p14="http://schemas.microsoft.com/office/powerpoint/2010/main" val="2938636808"/>
+      </p:ext>
+    </p:extLst>
+  </p:cSld>
+  <p:clrMapOvr>
+    <a:masterClrMapping/>
+  </p:clrMapOvr>
+</p:sld>
+</file>
+
+<file path=ppt/slides/slide21.xml><?xml version="1.0" encoding="utf-8"?>
+<p:sld xmlns:a="http://schemas.openxmlformats.org/drawingml/2006/main" xmlns:r="http://schemas.openxmlformats.org/officeDocument/2006/relationships" xmlns:p="http://schemas.openxmlformats.org/presentationml/2006/main">
+  <p:cSld>
+    <p:spTree>
+      <p:nvGrpSpPr>
+        <p:cNvPr id="1" name=""/>
+        <p:cNvGrpSpPr/>
+        <p:nvPr/>
+      </p:nvGrpSpPr>
+      <p:grpSpPr>
+        <a:xfrm>
+          <a:off x="0" y="0"/>
+          <a:ext cx="0" cy="0"/>
+          <a:chOff x="0" y="0"/>
+          <a:chExt cx="0" cy="0"/>
+        </a:xfrm>
+      </p:grpSpPr>
+      <p:sp>
+        <p:nvSpPr>
+          <p:cNvPr id="2" name="Title 1"/>
+          <p:cNvSpPr>
+            <a:spLocks noGrp="1"/>
+          </p:cNvSpPr>
+          <p:nvPr>
+            <p:ph type="title"/>
+          </p:nvPr>
+        </p:nvSpPr>
+        <p:spPr/>
+        <p:txBody>
+          <a:bodyPr/>
+          <a:lstStyle/>
+          <a:p>
+            <a:r>
+              <a:rPr lang="en-US" dirty="0" smtClean="0"/>
+              <a:t>Change Tracking</a:t>
+            </a:r>
+            <a:endParaRPr lang="en-US" dirty="0"/>
+          </a:p>
+        </p:txBody>
+      </p:sp>
+      <p:sp>
+        <p:nvSpPr>
+          <p:cNvPr id="3" name="Content Placeholder 2"/>
+          <p:cNvSpPr>
+            <a:spLocks noGrp="1"/>
+          </p:cNvSpPr>
+          <p:nvPr>
+            <p:ph idx="1"/>
+          </p:nvPr>
+        </p:nvSpPr>
+        <p:spPr/>
+        <p:txBody>
+          <a:bodyPr/>
+          <a:lstStyle/>
+          <a:p>
+            <a:r>
+              <a:rPr lang="en-US" dirty="0" smtClean="0"/>
+              <a:t>Object will support </a:t>
+            </a:r>
+            <a:r>
+              <a:rPr lang="en-US" dirty="0" err="1" smtClean="0"/>
+              <a:t>IEntityWithChangeTracker</a:t>
+            </a:r>
+            <a:endParaRPr lang="en-US" dirty="0" smtClean="0"/>
+          </a:p>
+          <a:p>
+            <a:pPr lvl="1"/>
+            <a:r>
+              <a:rPr lang="en-US" dirty="0" smtClean="0"/>
+              <a:t>This is a proxy</a:t>
+            </a:r>
+          </a:p>
+          <a:p>
+            <a:r>
+              <a:rPr lang="en-US" dirty="0" smtClean="0"/>
+              <a:t>Objects from queries are proxies</a:t>
+            </a:r>
+          </a:p>
+          <a:p>
+            <a:r>
+              <a:rPr lang="en-US" dirty="0" smtClean="0"/>
+              <a:t>If an object creates other objects in a constructor, they will not be proxies if the parent is</a:t>
+            </a:r>
+          </a:p>
+          <a:p>
+            <a:pPr lvl="1"/>
+            <a:r>
+              <a:rPr lang="en-US" dirty="0" smtClean="0"/>
+              <a:t>Fix using </a:t>
+            </a:r>
+            <a:r>
+              <a:rPr lang="en-US" dirty="0" err="1" smtClean="0"/>
+              <a:t>DbSet.Create</a:t>
+            </a:r>
+            <a:r>
+              <a:rPr lang="en-US" dirty="0" smtClean="0"/>
+              <a:t>()</a:t>
+            </a:r>
+          </a:p>
+          <a:p>
+            <a:r>
+              <a:rPr lang="en-US" dirty="0" smtClean="0"/>
+              <a:t>You can fetch without tracking using .</a:t>
+            </a:r>
+            <a:r>
+              <a:rPr lang="en-US" dirty="0" err="1" smtClean="0"/>
+              <a:t>AsNoTracking</a:t>
+            </a:r>
+            <a:r>
+              <a:rPr lang="en-US" dirty="0" smtClean="0"/>
+              <a:t>()</a:t>
+            </a:r>
+          </a:p>
+          <a:p>
+            <a:pPr lvl="1"/>
+            <a:r>
+              <a:rPr lang="en-US" dirty="0" smtClean="0"/>
+              <a:t>Can give better performance if you don’t need it</a:t>
+            </a:r>
+            <a:endParaRPr lang="en-US" dirty="0"/>
+          </a:p>
+        </p:txBody>
+      </p:sp>
+    </p:spTree>
+    <p:extLst>
+      <p:ext uri="{BB962C8B-B14F-4D97-AF65-F5344CB8AC3E}">
+        <p14:creationId xmlns:p14="http://schemas.microsoft.com/office/powerpoint/2010/main" val="2824272194"/>
+      </p:ext>
+    </p:extLst>
+  </p:cSld>
+  <p:clrMapOvr>
+    <a:masterClrMapping/>
+  </p:clrMapOvr>
+</p:sld>
+</file>
+
+<file path=ppt/slides/slide22.xml><?xml version="1.0" encoding="utf-8"?>
+<p:sld xmlns:a="http://schemas.openxmlformats.org/drawingml/2006/main" xmlns:r="http://schemas.openxmlformats.org/officeDocument/2006/relationships" xmlns:p="http://schemas.openxmlformats.org/presentationml/2006/main">
+  <p:cSld>
+    <p:spTree>
+      <p:nvGrpSpPr>
+        <p:cNvPr id="1" name=""/>
+        <p:cNvGrpSpPr/>
+        <p:nvPr/>
+      </p:nvGrpSpPr>
+      <p:grpSpPr>
+        <a:xfrm>
+          <a:off x="0" y="0"/>
+          <a:ext cx="0" cy="0"/>
+          <a:chOff x="0" y="0"/>
+          <a:chExt cx="0" cy="0"/>
+        </a:xfrm>
+      </p:grpSpPr>
+      <p:sp>
+        <p:nvSpPr>
+          <p:cNvPr id="2" name="Title 1"/>
+          <p:cNvSpPr>
+            <a:spLocks noGrp="1"/>
+          </p:cNvSpPr>
+          <p:nvPr>
+            <p:ph type="title"/>
+          </p:nvPr>
+        </p:nvSpPr>
+        <p:spPr/>
+        <p:txBody>
+          <a:bodyPr/>
+          <a:lstStyle/>
+          <a:p>
+            <a:r>
               <a:rPr lang="en-US" smtClean="0"/>
               <a:t>Summary</a:t>
             </a:r>
@@ -4210,6 +4481,20 @@
           <a:bodyPr/>
           <a:lstStyle/>
           <a:p>
+            <a:r>
+              <a:rPr lang="en-US" dirty="0" smtClean="0"/>
+              <a:t>We’ve looked at the various ways of adding, updating and deleting objects and objects in relationships.</a:t>
+            </a:r>
+          </a:p>
+          <a:p>
+            <a:r>
+              <a:rPr lang="en-US" dirty="0" smtClean="0"/>
+              <a:t>We also looked at change tracking through </a:t>
+            </a:r>
+            <a:r>
+              <a:rPr lang="en-US" smtClean="0"/>
+              <a:t>the proxies.</a:t>
+            </a:r>
             <a:endParaRPr lang="en-US"/>
           </a:p>
         </p:txBody>
@@ -4218,6 +4503,78 @@
     <p:extLst>
       <p:ext uri="{BB962C8B-B14F-4D97-AF65-F5344CB8AC3E}">
         <p14:creationId xmlns:p14="http://schemas.microsoft.com/office/powerpoint/2010/main" val="4082111346"/>
+      </p:ext>
+    </p:extLst>
+  </p:cSld>
+  <p:clrMapOvr>
+    <a:masterClrMapping/>
+  </p:clrMapOvr>
+</p:sld>
+</file>
+
+<file path=ppt/slides/slide23.xml><?xml version="1.0" encoding="utf-8"?>
+<p:sld xmlns:a="http://schemas.openxmlformats.org/drawingml/2006/main" xmlns:r="http://schemas.openxmlformats.org/officeDocument/2006/relationships" xmlns:p="http://schemas.openxmlformats.org/presentationml/2006/main">
+  <p:cSld>
+    <p:spTree>
+      <p:nvGrpSpPr>
+        <p:cNvPr id="1" name=""/>
+        <p:cNvGrpSpPr/>
+        <p:nvPr/>
+      </p:nvGrpSpPr>
+      <p:grpSpPr>
+        <a:xfrm>
+          <a:off x="0" y="0"/>
+          <a:ext cx="0" cy="0"/>
+          <a:chOff x="0" y="0"/>
+          <a:chExt cx="0" cy="0"/>
+        </a:xfrm>
+      </p:grpSpPr>
+      <p:sp>
+        <p:nvSpPr>
+          <p:cNvPr id="2" name="Title 1"/>
+          <p:cNvSpPr>
+            <a:spLocks noGrp="1"/>
+          </p:cNvSpPr>
+          <p:nvPr>
+            <p:ph type="title"/>
+          </p:nvPr>
+        </p:nvSpPr>
+        <p:spPr/>
+        <p:txBody>
+          <a:bodyPr/>
+          <a:lstStyle/>
+          <a:p>
+            <a:r>
+              <a:rPr lang="en-US" dirty="0" smtClean="0"/>
+              <a:t>Demo</a:t>
+            </a:r>
+            <a:endParaRPr lang="en-US" dirty="0"/>
+          </a:p>
+        </p:txBody>
+      </p:sp>
+      <p:sp>
+        <p:nvSpPr>
+          <p:cNvPr id="3" name="Content Placeholder 2"/>
+          <p:cNvSpPr>
+            <a:spLocks noGrp="1"/>
+          </p:cNvSpPr>
+          <p:nvPr>
+            <p:ph idx="1"/>
+          </p:nvPr>
+        </p:nvSpPr>
+        <p:spPr/>
+        <p:txBody>
+          <a:bodyPr/>
+          <a:lstStyle/>
+          <a:p>
+            <a:endParaRPr lang="en-US"/>
+          </a:p>
+        </p:txBody>
+      </p:sp>
+    </p:spTree>
+    <p:extLst>
+      <p:ext uri="{BB962C8B-B14F-4D97-AF65-F5344CB8AC3E}">
+        <p14:creationId xmlns:p14="http://schemas.microsoft.com/office/powerpoint/2010/main" val="1874241560"/>
       </p:ext>
     </p:extLst>
   </p:cSld>
@@ -4267,9 +4624,36 @@
           </a:p>
         </p:txBody>
       </p:sp>
+      <p:sp>
+        <p:nvSpPr>
+          <p:cNvPr id="4" name="Content Placeholder 2"/>
+          <p:cNvSpPr>
+            <a:spLocks noGrp="1"/>
+          </p:cNvSpPr>
+          <p:nvPr>
+            <p:ph idx="1"/>
+          </p:nvPr>
+        </p:nvSpPr>
+        <p:spPr>
+          <a:xfrm>
+            <a:off x="628650" y="1825625"/>
+            <a:ext cx="3724275" cy="4351338"/>
+          </a:xfrm>
+        </p:spPr>
+        <p:txBody>
+          <a:bodyPr/>
+          <a:lstStyle/>
+          <a:p>
+            <a:r>
+              <a:rPr lang="en-US" dirty="0" smtClean="0"/>
+              <a:t>Console application</a:t>
+            </a:r>
+          </a:p>
+        </p:txBody>
+      </p:sp>
       <p:pic>
         <p:nvPicPr>
-          <p:cNvPr id="9" name="Picture 8"/>
+          <p:cNvPr id="3" name="Picture 2"/>
           <p:cNvPicPr>
             <a:picLocks noChangeAspect="1"/>
           </p:cNvPicPr>
@@ -4283,8 +4667,8 @@
         </p:blipFill>
         <p:spPr>
           <a:xfrm>
-            <a:off x="773605" y="1690689"/>
-            <a:ext cx="6877705" cy="4753178"/>
+            <a:off x="5210175" y="1825625"/>
+            <a:ext cx="2476500" cy="1247775"/>
           </a:xfrm>
           <a:prstGeom prst="rect">
             <a:avLst/>
@@ -4565,7 +4949,7 @@
           <a:p>
             <a:r>
               <a:rPr lang="en-US" dirty="0" smtClean="0"/>
-              <a:t>Table based CRUD</a:t>
+              <a:t>Reading Data</a:t>
             </a:r>
             <a:endParaRPr lang="en-US" dirty="0"/>
           </a:p>
@@ -4583,39 +4967,103 @@
         </p:nvSpPr>
         <p:spPr/>
         <p:txBody>
-          <a:bodyPr/>
-          <a:lstStyle/>
-          <a:p>
-            <a:r>
-              <a:rPr lang="en-US" dirty="0" smtClean="0"/>
-              <a:t>Get entities in a table</a:t>
-            </a:r>
-          </a:p>
-          <a:p>
-            <a:r>
-              <a:rPr lang="en-US" dirty="0" smtClean="0"/>
-              <a:t>Add entities</a:t>
-            </a:r>
-          </a:p>
-          <a:p>
-            <a:r>
-              <a:rPr lang="en-US" dirty="0" smtClean="0"/>
-              <a:t>Delete entities</a:t>
-            </a:r>
-          </a:p>
-          <a:p>
-            <a:r>
-              <a:rPr lang="en-US" dirty="0" smtClean="0"/>
-              <a:t>Update</a:t>
-            </a:r>
-            <a:endParaRPr lang="en-US" dirty="0"/>
+          <a:bodyPr>
+            <a:normAutofit lnSpcReduction="10000"/>
+          </a:bodyPr>
+          <a:lstStyle/>
+          <a:p>
+            <a:r>
+              <a:rPr lang="en-US" dirty="0" smtClean="0"/>
+              <a:t>Revolves around LINQ</a:t>
+            </a:r>
+          </a:p>
+          <a:p>
+            <a:r>
+              <a:rPr lang="en-US" dirty="0" smtClean="0"/>
+              <a:t>Through the </a:t>
+            </a:r>
+            <a:r>
+              <a:rPr lang="en-US" dirty="0" err="1" smtClean="0"/>
+              <a:t>DbContext</a:t>
+            </a:r>
+            <a:endParaRPr lang="en-US" dirty="0" smtClean="0"/>
+          </a:p>
+          <a:p>
+            <a:endParaRPr lang="en-US" dirty="0" smtClean="0"/>
+          </a:p>
+          <a:p>
+            <a:pPr lvl="1"/>
+            <a:r>
+              <a:rPr lang="en-US" dirty="0" smtClean="0"/>
+              <a:t>All Data with .</a:t>
+            </a:r>
+            <a:r>
+              <a:rPr lang="en-US" dirty="0" err="1" smtClean="0"/>
+              <a:t>ToList</a:t>
+            </a:r>
+            <a:r>
+              <a:rPr lang="en-US" dirty="0" smtClean="0"/>
+              <a:t>()</a:t>
+            </a:r>
+          </a:p>
+          <a:p>
+            <a:pPr lvl="1"/>
+            <a:r>
+              <a:rPr lang="en-US" dirty="0" smtClean="0"/>
+              <a:t>All the operations you expect (where, </a:t>
+            </a:r>
+            <a:r>
+              <a:rPr lang="en-US" dirty="0" err="1" smtClean="0"/>
+              <a:t>orderby</a:t>
+            </a:r>
+            <a:r>
+              <a:rPr lang="en-US" dirty="0" smtClean="0"/>
+              <a:t>, …)</a:t>
+            </a:r>
+          </a:p>
+          <a:p>
+            <a:pPr lvl="1"/>
+            <a:r>
+              <a:rPr lang="en-US" dirty="0" smtClean="0"/>
+              <a:t>Find(id) returns single item or null</a:t>
+            </a:r>
+          </a:p>
+          <a:p>
+            <a:pPr lvl="1"/>
+            <a:r>
+              <a:rPr lang="en-US" dirty="0" err="1" smtClean="0"/>
+              <a:t>SingleOrDefault</a:t>
+            </a:r>
+            <a:r>
+              <a:rPr lang="en-US" dirty="0" smtClean="0"/>
+              <a:t>()</a:t>
+            </a:r>
+            <a:endParaRPr lang="en-US" dirty="0"/>
+          </a:p>
+          <a:p>
+            <a:pPr lvl="1"/>
+            <a:endParaRPr lang="en-US" dirty="0" smtClean="0"/>
+          </a:p>
+          <a:p>
+            <a:r>
+              <a:rPr lang="en-US" dirty="0" smtClean="0"/>
+              <a:t>Objects are proxies if </a:t>
+            </a:r>
+            <a:r>
+              <a:rPr lang="en-US" dirty="0" err="1" smtClean="0"/>
+              <a:t>LazyLoading</a:t>
+            </a:r>
+            <a:r>
+              <a:rPr lang="en-US" dirty="0" smtClean="0"/>
+              <a:t> enable (it is by default)</a:t>
+            </a:r>
           </a:p>
         </p:txBody>
       </p:sp>
     </p:spTree>
     <p:extLst>
       <p:ext uri="{BB962C8B-B14F-4D97-AF65-F5344CB8AC3E}">
-        <p14:creationId xmlns:p14="http://schemas.microsoft.com/office/powerpoint/2010/main" val="2639347550"/>
+        <p14:creationId xmlns:p14="http://schemas.microsoft.com/office/powerpoint/2010/main" val="1824351595"/>
       </p:ext>
     </p:extLst>
   </p:cSld>
@@ -4659,7 +5107,7 @@
           <a:p>
             <a:r>
               <a:rPr lang="en-US" dirty="0" smtClean="0"/>
-              <a:t>Basic Query 1:M</a:t>
+              <a:t>.Local</a:t>
             </a:r>
             <a:endParaRPr lang="en-US" dirty="0"/>
           </a:p>
@@ -4680,6 +5128,20 @@
           <a:bodyPr/>
           <a:lstStyle/>
           <a:p>
+            <a:r>
+              <a:rPr lang="en-US" dirty="0" smtClean="0"/>
+              <a:t>Access just data in the context</a:t>
+            </a:r>
+          </a:p>
+          <a:p>
+            <a:r>
+              <a:rPr lang="en-US" dirty="0" smtClean="0"/>
+              <a:t>Also supports .</a:t>
+            </a:r>
+            <a:r>
+              <a:rPr lang="en-US" dirty="0" err="1" smtClean="0"/>
+              <a:t>CollectionChanged</a:t>
+            </a:r>
             <a:endParaRPr lang="en-US" dirty="0"/>
           </a:p>
         </p:txBody>
@@ -4687,7 +5149,7 @@
     </p:spTree>
     <p:extLst>
       <p:ext uri="{BB962C8B-B14F-4D97-AF65-F5344CB8AC3E}">
-        <p14:creationId xmlns:p14="http://schemas.microsoft.com/office/powerpoint/2010/main" val="3258780969"/>
+        <p14:creationId xmlns:p14="http://schemas.microsoft.com/office/powerpoint/2010/main" val="835614824"/>
       </p:ext>
     </p:extLst>
   </p:cSld>
@@ -4730,8 +5192,8 @@
           <a:lstStyle/>
           <a:p>
             <a:r>
-              <a:rPr lang="en-US" dirty="0" smtClean="0"/>
-              <a:t>M:M</a:t>
+              <a:rPr lang="en-US" smtClean="0"/>
+              <a:t>Lazy Loading</a:t>
             </a:r>
             <a:endParaRPr lang="en-US" dirty="0"/>
           </a:p>
@@ -4753,14 +5215,37 @@
           <a:lstStyle/>
           <a:p>
             <a:r>
-              <a:rPr lang="en-US" dirty="0" smtClean="0"/>
-              <a:t>No Payload model</a:t>
-            </a:r>
-          </a:p>
-          <a:p>
-            <a:r>
-              <a:rPr lang="en-US" dirty="0" smtClean="0"/>
-              <a:t>Payload model</a:t>
+              <a:rPr lang="en-US" dirty="0" err="1" smtClean="0"/>
+              <a:t>Ctx.Configuration.LazyLoadingEnabled</a:t>
+            </a:r>
+            <a:endParaRPr lang="en-US" dirty="0" smtClean="0"/>
+          </a:p>
+          <a:p>
+            <a:pPr lvl="1"/>
+            <a:r>
+              <a:rPr lang="en-US" dirty="0" smtClean="0"/>
+              <a:t>True by default</a:t>
+            </a:r>
+          </a:p>
+          <a:p>
+            <a:r>
+              <a:rPr lang="en-US" dirty="0" smtClean="0"/>
+              <a:t>POCO must be public and not sealed</a:t>
+            </a:r>
+          </a:p>
+          <a:p>
+            <a:r>
+              <a:rPr lang="en-US" dirty="0" smtClean="0"/>
+              <a:t>Navigation properties must be virtual</a:t>
+            </a:r>
+          </a:p>
+          <a:p>
+            <a:endParaRPr lang="en-US" dirty="0"/>
+          </a:p>
+          <a:p>
+            <a:r>
+              <a:rPr lang="en-US" dirty="0" smtClean="0"/>
+              <a:t>Takes advantage or MARS</a:t>
             </a:r>
             <a:endParaRPr lang="en-US" dirty="0"/>
           </a:p>
@@ -4769,7 +5254,7 @@
     </p:spTree>
     <p:extLst>
       <p:ext uri="{BB962C8B-B14F-4D97-AF65-F5344CB8AC3E}">
-        <p14:creationId xmlns:p14="http://schemas.microsoft.com/office/powerpoint/2010/main" val="2521298330"/>
+        <p14:creationId xmlns:p14="http://schemas.microsoft.com/office/powerpoint/2010/main" val="3078620380"/>
       </p:ext>
     </p:extLst>
   </p:cSld>
@@ -4813,7 +5298,7 @@
           <a:p>
             <a:r>
               <a:rPr lang="en-US" dirty="0" smtClean="0"/>
-              <a:t>Lazy Loading</a:t>
+              <a:t>Eager Loading</a:t>
             </a:r>
             <a:endParaRPr lang="en-US" dirty="0"/>
           </a:p>
@@ -4834,14 +5319,30 @@
           <a:bodyPr/>
           <a:lstStyle/>
           <a:p>
-            <a:endParaRPr lang="en-US"/>
+            <a:r>
+              <a:rPr lang="en-US" dirty="0" smtClean="0"/>
+              <a:t>.Include() in the query</a:t>
+            </a:r>
+          </a:p>
+          <a:p>
+            <a:r>
+              <a:rPr lang="en-US" dirty="0" smtClean="0"/>
+              <a:t>Forces a join</a:t>
+            </a:r>
+          </a:p>
+          <a:p>
+            <a:r>
+              <a:rPr lang="en-US" dirty="0" smtClean="0"/>
+              <a:t>Multiple can be included in one statement</a:t>
+            </a:r>
+            <a:endParaRPr lang="en-US" dirty="0"/>
           </a:p>
         </p:txBody>
       </p:sp>
     </p:spTree>
     <p:extLst>
       <p:ext uri="{BB962C8B-B14F-4D97-AF65-F5344CB8AC3E}">
-        <p14:creationId xmlns:p14="http://schemas.microsoft.com/office/powerpoint/2010/main" val="837773416"/>
+        <p14:creationId xmlns:p14="http://schemas.microsoft.com/office/powerpoint/2010/main" val="2124628142"/>
       </p:ext>
     </p:extLst>
   </p:cSld>

--- a/Slides/EF/3 - Coding Data Operations.pptx
+++ b/Slides/EF/3 - Coding Data Operations.pptx
@@ -11,23 +11,25 @@
     <p:sldId id="279" r:id="rId5"/>
     <p:sldId id="285" r:id="rId6"/>
     <p:sldId id="290" r:id="rId7"/>
-    <p:sldId id="291" r:id="rId8"/>
-    <p:sldId id="292" r:id="rId9"/>
-    <p:sldId id="293" r:id="rId10"/>
-    <p:sldId id="294" r:id="rId11"/>
-    <p:sldId id="295" r:id="rId12"/>
-    <p:sldId id="296" r:id="rId13"/>
-    <p:sldId id="280" r:id="rId14"/>
-    <p:sldId id="298" r:id="rId15"/>
-    <p:sldId id="297" r:id="rId16"/>
-    <p:sldId id="299" r:id="rId17"/>
-    <p:sldId id="300" r:id="rId18"/>
-    <p:sldId id="301" r:id="rId19"/>
-    <p:sldId id="302" r:id="rId20"/>
-    <p:sldId id="303" r:id="rId21"/>
-    <p:sldId id="304" r:id="rId22"/>
-    <p:sldId id="258" r:id="rId23"/>
-    <p:sldId id="257" r:id="rId24"/>
+    <p:sldId id="305" r:id="rId8"/>
+    <p:sldId id="291" r:id="rId9"/>
+    <p:sldId id="292" r:id="rId10"/>
+    <p:sldId id="293" r:id="rId11"/>
+    <p:sldId id="294" r:id="rId12"/>
+    <p:sldId id="295" r:id="rId13"/>
+    <p:sldId id="296" r:id="rId14"/>
+    <p:sldId id="306" r:id="rId15"/>
+    <p:sldId id="280" r:id="rId16"/>
+    <p:sldId id="298" r:id="rId17"/>
+    <p:sldId id="297" r:id="rId18"/>
+    <p:sldId id="299" r:id="rId19"/>
+    <p:sldId id="300" r:id="rId20"/>
+    <p:sldId id="301" r:id="rId21"/>
+    <p:sldId id="302" r:id="rId22"/>
+    <p:sldId id="303" r:id="rId23"/>
+    <p:sldId id="304" r:id="rId24"/>
+    <p:sldId id="258" r:id="rId25"/>
+    <p:sldId id="257" r:id="rId26"/>
   </p:sldIdLst>
   <p:sldSz cx="9144000" cy="6858000" type="screen4x3"/>
   <p:notesSz cx="6858000" cy="9144000"/>
@@ -265,7 +267,7 @@
           <a:p>
             <a:fld id="{51647FD5-68CD-4470-B86E-1BC2872C8822}" type="datetimeFigureOut">
               <a:rPr lang="en-US" smtClean="0"/>
-              <a:t>2/1/2015</a:t>
+              <a:t>2/3/2015</a:t>
             </a:fld>
             <a:endParaRPr lang="en-US"/>
           </a:p>
@@ -435,7 +437,7 @@
           <a:p>
             <a:fld id="{51647FD5-68CD-4470-B86E-1BC2872C8822}" type="datetimeFigureOut">
               <a:rPr lang="en-US" smtClean="0"/>
-              <a:t>2/1/2015</a:t>
+              <a:t>2/3/2015</a:t>
             </a:fld>
             <a:endParaRPr lang="en-US"/>
           </a:p>
@@ -615,7 +617,7 @@
           <a:p>
             <a:fld id="{51647FD5-68CD-4470-B86E-1BC2872C8822}" type="datetimeFigureOut">
               <a:rPr lang="en-US" smtClean="0"/>
-              <a:t>2/1/2015</a:t>
+              <a:t>2/3/2015</a:t>
             </a:fld>
             <a:endParaRPr lang="en-US"/>
           </a:p>
@@ -785,7 +787,7 @@
           <a:p>
             <a:fld id="{51647FD5-68CD-4470-B86E-1BC2872C8822}" type="datetimeFigureOut">
               <a:rPr lang="en-US" smtClean="0"/>
-              <a:t>2/1/2015</a:t>
+              <a:t>2/3/2015</a:t>
             </a:fld>
             <a:endParaRPr lang="en-US"/>
           </a:p>
@@ -1029,7 +1031,7 @@
           <a:p>
             <a:fld id="{51647FD5-68CD-4470-B86E-1BC2872C8822}" type="datetimeFigureOut">
               <a:rPr lang="en-US" smtClean="0"/>
-              <a:t>2/1/2015</a:t>
+              <a:t>2/3/2015</a:t>
             </a:fld>
             <a:endParaRPr lang="en-US"/>
           </a:p>
@@ -1261,7 +1263,7 @@
           <a:p>
             <a:fld id="{51647FD5-68CD-4470-B86E-1BC2872C8822}" type="datetimeFigureOut">
               <a:rPr lang="en-US" smtClean="0"/>
-              <a:t>2/1/2015</a:t>
+              <a:t>2/3/2015</a:t>
             </a:fld>
             <a:endParaRPr lang="en-US"/>
           </a:p>
@@ -1628,7 +1630,7 @@
           <a:p>
             <a:fld id="{51647FD5-68CD-4470-B86E-1BC2872C8822}" type="datetimeFigureOut">
               <a:rPr lang="en-US" smtClean="0"/>
-              <a:t>2/1/2015</a:t>
+              <a:t>2/3/2015</a:t>
             </a:fld>
             <a:endParaRPr lang="en-US"/>
           </a:p>
@@ -1746,7 +1748,7 @@
           <a:p>
             <a:fld id="{51647FD5-68CD-4470-B86E-1BC2872C8822}" type="datetimeFigureOut">
               <a:rPr lang="en-US" smtClean="0"/>
-              <a:t>2/1/2015</a:t>
+              <a:t>2/3/2015</a:t>
             </a:fld>
             <a:endParaRPr lang="en-US"/>
           </a:p>
@@ -1841,7 +1843,7 @@
           <a:p>
             <a:fld id="{51647FD5-68CD-4470-B86E-1BC2872C8822}" type="datetimeFigureOut">
               <a:rPr lang="en-US" smtClean="0"/>
-              <a:t>2/1/2015</a:t>
+              <a:t>2/3/2015</a:t>
             </a:fld>
             <a:endParaRPr lang="en-US"/>
           </a:p>
@@ -2118,7 +2120,7 @@
           <a:p>
             <a:fld id="{51647FD5-68CD-4470-B86E-1BC2872C8822}" type="datetimeFigureOut">
               <a:rPr lang="en-US" smtClean="0"/>
-              <a:t>2/1/2015</a:t>
+              <a:t>2/3/2015</a:t>
             </a:fld>
             <a:endParaRPr lang="en-US"/>
           </a:p>
@@ -2375,7 +2377,7 @@
           <a:p>
             <a:fld id="{51647FD5-68CD-4470-B86E-1BC2872C8822}" type="datetimeFigureOut">
               <a:rPr lang="en-US" smtClean="0"/>
-              <a:t>2/1/2015</a:t>
+              <a:t>2/3/2015</a:t>
             </a:fld>
             <a:endParaRPr lang="en-US"/>
           </a:p>
@@ -2588,7 +2590,7 @@
           <a:p>
             <a:fld id="{51647FD5-68CD-4470-B86E-1BC2872C8822}" type="datetimeFigureOut">
               <a:rPr lang="en-US" smtClean="0"/>
-              <a:t>2/1/2015</a:t>
+              <a:t>2/3/2015</a:t>
             </a:fld>
             <a:endParaRPr lang="en-US"/>
           </a:p>
@@ -3110,7 +3112,7 @@
           <a:p>
             <a:r>
               <a:rPr lang="en-US" dirty="0" smtClean="0"/>
-              <a:t>Explicit Loading</a:t>
+              <a:t>Eager Loading</a:t>
             </a:r>
             <a:endParaRPr lang="en-US" dirty="0"/>
           </a:p>
@@ -3133,60 +3135,20 @@
           <a:p>
             <a:r>
               <a:rPr lang="en-US" dirty="0" smtClean="0"/>
-              <a:t>Like lazy, but you have to specify the load</a:t>
-            </a:r>
-          </a:p>
-          <a:p>
-            <a:r>
-              <a:rPr lang="en-US" dirty="0" smtClean="0"/>
-              <a:t>Why?</a:t>
-            </a:r>
-          </a:p>
-          <a:p>
-            <a:pPr lvl="1"/>
-            <a:r>
-              <a:rPr lang="en-US" dirty="0" smtClean="0"/>
-              <a:t>Don’t have to mark things as virtual</a:t>
-            </a:r>
-          </a:p>
-          <a:p>
-            <a:pPr lvl="1"/>
-            <a:r>
-              <a:rPr lang="en-US" dirty="0" smtClean="0"/>
-              <a:t>Existing class library that is not marked virtual</a:t>
-            </a:r>
-          </a:p>
-          <a:p>
-            <a:pPr lvl="1"/>
-            <a:r>
-              <a:rPr lang="en-US" dirty="0" smtClean="0"/>
-              <a:t>You are in complete control</a:t>
-            </a:r>
-          </a:p>
-          <a:p>
-            <a:r>
-              <a:rPr lang="en-US" dirty="0" smtClean="0"/>
-              <a:t>How?</a:t>
-            </a:r>
-          </a:p>
-          <a:p>
-            <a:pPr lvl="1"/>
-            <a:r>
-              <a:rPr lang="en-US" dirty="0" err="1" smtClean="0"/>
-              <a:t>DbContext.Entry</a:t>
-            </a:r>
-            <a:r>
-              <a:rPr lang="en-US" dirty="0" smtClean="0"/>
-              <a:t> method</a:t>
-            </a:r>
-            <a:endParaRPr lang="en-US" dirty="0"/>
-          </a:p>
-          <a:p>
-            <a:pPr lvl="1"/>
-            <a:endParaRPr lang="en-US" dirty="0" smtClean="0"/>
-          </a:p>
-          <a:p>
-            <a:pPr lvl="1"/>
+              <a:t>.Include() in the query</a:t>
+            </a:r>
+          </a:p>
+          <a:p>
+            <a:r>
+              <a:rPr lang="en-US" dirty="0" smtClean="0"/>
+              <a:t>Forces a join</a:t>
+            </a:r>
+          </a:p>
+          <a:p>
+            <a:r>
+              <a:rPr lang="en-US" dirty="0" smtClean="0"/>
+              <a:t>Multiple can be included in one statement</a:t>
+            </a:r>
             <a:endParaRPr lang="en-US" dirty="0"/>
           </a:p>
         </p:txBody>
@@ -3194,7 +3156,7 @@
     </p:spTree>
     <p:extLst>
       <p:ext uri="{BB962C8B-B14F-4D97-AF65-F5344CB8AC3E}">
-        <p14:creationId xmlns:p14="http://schemas.microsoft.com/office/powerpoint/2010/main" val="918062785"/>
+        <p14:creationId xmlns:p14="http://schemas.microsoft.com/office/powerpoint/2010/main" val="2124628142"/>
       </p:ext>
     </p:extLst>
   </p:cSld>
@@ -3238,7 +3200,7 @@
           <a:p>
             <a:r>
               <a:rPr lang="en-US" dirty="0" smtClean="0"/>
-              <a:t>Checking if a Navigation Property is Loaded</a:t>
+              <a:t>Explicit Loading</a:t>
             </a:r>
             <a:endParaRPr lang="en-US" dirty="0"/>
           </a:p>
@@ -3261,12 +3223,60 @@
           <a:p>
             <a:r>
               <a:rPr lang="en-US" dirty="0" smtClean="0"/>
-              <a:t>.Collection().</a:t>
-            </a:r>
+              <a:t>Like lazy, but you have to specify the load</a:t>
+            </a:r>
+          </a:p>
+          <a:p>
+            <a:r>
+              <a:rPr lang="en-US" dirty="0" smtClean="0"/>
+              <a:t>Why?</a:t>
+            </a:r>
+          </a:p>
+          <a:p>
+            <a:pPr lvl="1"/>
+            <a:r>
+              <a:rPr lang="en-US" dirty="0" smtClean="0"/>
+              <a:t>Don’t have to mark things as virtual</a:t>
+            </a:r>
+          </a:p>
+          <a:p>
+            <a:pPr lvl="1"/>
+            <a:r>
+              <a:rPr lang="en-US" dirty="0" smtClean="0"/>
+              <a:t>Existing class library that is not marked virtual</a:t>
+            </a:r>
+          </a:p>
+          <a:p>
+            <a:pPr lvl="1"/>
+            <a:r>
+              <a:rPr lang="en-US" dirty="0" smtClean="0"/>
+              <a:t>You are in complete control</a:t>
+            </a:r>
+          </a:p>
+          <a:p>
+            <a:r>
+              <a:rPr lang="en-US" dirty="0" smtClean="0"/>
+              <a:t>How?</a:t>
+            </a:r>
+          </a:p>
+          <a:p>
+            <a:pPr lvl="1"/>
             <a:r>
               <a:rPr lang="en-US" dirty="0" err="1" smtClean="0"/>
-              <a:t>IsLoaded</a:t>
-            </a:r>
+              <a:t>DbContext.Entry</a:t>
+            </a:r>
+            <a:r>
+              <a:rPr lang="en-US" dirty="0" smtClean="0"/>
+              <a:t> method</a:t>
+            </a:r>
+            <a:endParaRPr lang="en-US" dirty="0"/>
+          </a:p>
+          <a:p>
+            <a:pPr lvl="1"/>
+            <a:endParaRPr lang="en-US" dirty="0" smtClean="0"/>
+          </a:p>
+          <a:p>
+            <a:pPr lvl="1"/>
             <a:endParaRPr lang="en-US" dirty="0"/>
           </a:p>
         </p:txBody>
@@ -3274,7 +3284,7 @@
     </p:spTree>
     <p:extLst>
       <p:ext uri="{BB962C8B-B14F-4D97-AF65-F5344CB8AC3E}">
-        <p14:creationId xmlns:p14="http://schemas.microsoft.com/office/powerpoint/2010/main" val="1084353017"/>
+        <p14:creationId xmlns:p14="http://schemas.microsoft.com/office/powerpoint/2010/main" val="918062785"/>
       </p:ext>
     </p:extLst>
   </p:cSld>
@@ -3318,7 +3328,7 @@
           <a:p>
             <a:r>
               <a:rPr lang="en-US" dirty="0" smtClean="0"/>
-              <a:t>Querying contents of a Collection Navigation Property</a:t>
+              <a:t>Checking if a Navigation Property is Loaded</a:t>
             </a:r>
             <a:endParaRPr lang="en-US" dirty="0"/>
           </a:p>
@@ -3341,21 +3351,11 @@
           <a:p>
             <a:r>
               <a:rPr lang="en-US" dirty="0" smtClean="0"/>
-              <a:t>LINQ based query will bring back all data</a:t>
-            </a:r>
-          </a:p>
-          <a:p>
-            <a:r>
-              <a:rPr lang="en-US" dirty="0" smtClean="0"/>
-              <a:t>Using a </a:t>
+              <a:t>.Collection().</a:t>
             </a:r>
             <a:r>
               <a:rPr lang="en-US" dirty="0" err="1" smtClean="0"/>
-              <a:t>Entry.Collection</a:t>
-            </a:r>
-            <a:r>
-              <a:rPr lang="en-US" dirty="0" smtClean="0"/>
-              <a:t> will push it to the server</a:t>
+              <a:t>IsLoaded</a:t>
             </a:r>
             <a:endParaRPr lang="en-US" dirty="0"/>
           </a:p>
@@ -3364,7 +3364,7 @@
     </p:spTree>
     <p:extLst>
       <p:ext uri="{BB962C8B-B14F-4D97-AF65-F5344CB8AC3E}">
-        <p14:creationId xmlns:p14="http://schemas.microsoft.com/office/powerpoint/2010/main" val="14194146"/>
+        <p14:creationId xmlns:p14="http://schemas.microsoft.com/office/powerpoint/2010/main" val="1084353017"/>
       </p:ext>
     </p:extLst>
   </p:cSld>
@@ -3408,7 +3408,7 @@
           <a:p>
             <a:r>
               <a:rPr lang="en-US" dirty="0" smtClean="0"/>
-              <a:t>Table based CRUD</a:t>
+              <a:t>Querying contents of a Collection Navigation Property</a:t>
             </a:r>
             <a:endParaRPr lang="en-US" dirty="0"/>
           </a:p>
@@ -3431,25 +3431,21 @@
           <a:p>
             <a:r>
               <a:rPr lang="en-US" dirty="0" smtClean="0"/>
-              <a:t>Get entities in a table</a:t>
-            </a:r>
-          </a:p>
-          <a:p>
-            <a:r>
-              <a:rPr lang="en-US" dirty="0" smtClean="0"/>
-              <a:t>Add entities</a:t>
-            </a:r>
-          </a:p>
-          <a:p>
-            <a:r>
-              <a:rPr lang="en-US" dirty="0" smtClean="0"/>
-              <a:t>Delete entities</a:t>
-            </a:r>
-          </a:p>
-          <a:p>
-            <a:r>
-              <a:rPr lang="en-US" dirty="0" smtClean="0"/>
-              <a:t>Update</a:t>
+              <a:t>LINQ based query will bring back all data</a:t>
+            </a:r>
+          </a:p>
+          <a:p>
+            <a:r>
+              <a:rPr lang="en-US" dirty="0" smtClean="0"/>
+              <a:t>Using a </a:t>
+            </a:r>
+            <a:r>
+              <a:rPr lang="en-US" dirty="0" err="1" smtClean="0"/>
+              <a:t>Entry.Collection</a:t>
+            </a:r>
+            <a:r>
+              <a:rPr lang="en-US" dirty="0" smtClean="0"/>
+              <a:t> will push it to the server</a:t>
             </a:r>
             <a:endParaRPr lang="en-US" dirty="0"/>
           </a:p>
@@ -3458,7 +3454,7 @@
     </p:spTree>
     <p:extLst>
       <p:ext uri="{BB962C8B-B14F-4D97-AF65-F5344CB8AC3E}">
-        <p14:creationId xmlns:p14="http://schemas.microsoft.com/office/powerpoint/2010/main" val="2639347550"/>
+        <p14:creationId xmlns:p14="http://schemas.microsoft.com/office/powerpoint/2010/main" val="14194146"/>
       </p:ext>
     </p:extLst>
   </p:cSld>
@@ -3502,7 +3498,7 @@
           <a:p>
             <a:r>
               <a:rPr lang="en-US" dirty="0" smtClean="0"/>
-              <a:t>Note</a:t>
+              <a:t>Demo</a:t>
             </a:r>
             <a:endParaRPr lang="en-US" dirty="0"/>
           </a:p>
@@ -3525,7 +3521,7 @@
           <a:p>
             <a:r>
               <a:rPr lang="en-US" dirty="0" smtClean="0"/>
-              <a:t>EF Completely tracks state changes to all objects</a:t>
+              <a:t>Various load operations</a:t>
             </a:r>
             <a:endParaRPr lang="en-US" dirty="0"/>
           </a:p>
@@ -3534,7 +3530,7 @@
     </p:spTree>
     <p:extLst>
       <p:ext uri="{BB962C8B-B14F-4D97-AF65-F5344CB8AC3E}">
-        <p14:creationId xmlns:p14="http://schemas.microsoft.com/office/powerpoint/2010/main" val="344860711"/>
+        <p14:creationId xmlns:p14="http://schemas.microsoft.com/office/powerpoint/2010/main" val="1031693600"/>
       </p:ext>
     </p:extLst>
   </p:cSld>
@@ -3578,7 +3574,7 @@
           <a:p>
             <a:r>
               <a:rPr lang="en-US" dirty="0" smtClean="0"/>
-              <a:t>Adding a new entity</a:t>
+              <a:t>Table based CRUD</a:t>
             </a:r>
             <a:endParaRPr lang="en-US" dirty="0"/>
           </a:p>
@@ -3601,73 +3597,25 @@
           <a:p>
             <a:r>
               <a:rPr lang="en-US" dirty="0" smtClean="0"/>
-              <a:t>Add it to the appropriate property of the context</a:t>
-            </a:r>
-          </a:p>
-          <a:p>
-            <a:pPr lvl="1"/>
-            <a:r>
-              <a:rPr lang="en-US" dirty="0" err="1" smtClean="0"/>
-              <a:t>DbContext</a:t>
-            </a:r>
-            <a:r>
-              <a:rPr lang="en-US" dirty="0" smtClean="0"/>
-              <a:t>.[Property].Add(object)</a:t>
-            </a:r>
-          </a:p>
-          <a:p>
-            <a:r>
-              <a:rPr lang="en-US" dirty="0" smtClean="0"/>
-              <a:t>Then</a:t>
-            </a:r>
-          </a:p>
-          <a:p>
-            <a:pPr lvl="1"/>
-            <a:r>
-              <a:rPr lang="en-US" dirty="0" err="1" smtClean="0"/>
-              <a:t>DbContext.SaveChanges</a:t>
-            </a:r>
-            <a:r>
-              <a:rPr lang="en-US" dirty="0" smtClean="0"/>
-              <a:t>()</a:t>
-            </a:r>
-          </a:p>
-          <a:p>
-            <a:pPr lvl="1"/>
-            <a:endParaRPr lang="en-US" dirty="0"/>
-          </a:p>
-          <a:p>
-            <a:pPr lvl="1"/>
-            <a:endParaRPr lang="en-US" dirty="0" smtClean="0"/>
-          </a:p>
-          <a:p>
-            <a:pPr lvl="1"/>
-            <a:endParaRPr lang="en-US" dirty="0"/>
-          </a:p>
-          <a:p>
-            <a:r>
-              <a:rPr lang="en-US" dirty="0" smtClean="0"/>
-              <a:t>Different from </a:t>
-            </a:r>
-            <a:r>
-              <a:rPr lang="en-US" dirty="0" err="1" smtClean="0"/>
-              <a:t>Nhibernate</a:t>
-            </a:r>
-            <a:endParaRPr lang="en-US" dirty="0"/>
-          </a:p>
-          <a:p>
-            <a:pPr lvl="1"/>
-            <a:r>
-              <a:rPr lang="en-US" dirty="0" smtClean="0"/>
-              <a:t>EF collects all object changes until you save </a:t>
-            </a:r>
-            <a:r>
-              <a:rPr lang="en-US" dirty="0" err="1" smtClean="0"/>
-              <a:t>SaveChanges</a:t>
-            </a:r>
-            <a:r>
-              <a:rPr lang="en-US" dirty="0" smtClean="0"/>
-              <a:t> and then does them in bulk</a:t>
+              <a:t>Get entities in a table</a:t>
+            </a:r>
+          </a:p>
+          <a:p>
+            <a:r>
+              <a:rPr lang="en-US" dirty="0" smtClean="0"/>
+              <a:t>Add entities</a:t>
+            </a:r>
+          </a:p>
+          <a:p>
+            <a:r>
+              <a:rPr lang="en-US" dirty="0" smtClean="0"/>
+              <a:t>Delete entities</a:t>
+            </a:r>
+          </a:p>
+          <a:p>
+            <a:r>
+              <a:rPr lang="en-US" dirty="0" smtClean="0"/>
+              <a:t>Update</a:t>
             </a:r>
             <a:endParaRPr lang="en-US" dirty="0"/>
           </a:p>
@@ -3676,7 +3624,7 @@
     </p:spTree>
     <p:extLst>
       <p:ext uri="{BB962C8B-B14F-4D97-AF65-F5344CB8AC3E}">
-        <p14:creationId xmlns:p14="http://schemas.microsoft.com/office/powerpoint/2010/main" val="3756401994"/>
+        <p14:creationId xmlns:p14="http://schemas.microsoft.com/office/powerpoint/2010/main" val="2639347550"/>
       </p:ext>
     </p:extLst>
   </p:cSld>
@@ -3720,7 +3668,7 @@
           <a:p>
             <a:r>
               <a:rPr lang="en-US" dirty="0" smtClean="0"/>
-              <a:t>Updating an Entity</a:t>
+              <a:t>Note</a:t>
             </a:r>
             <a:endParaRPr lang="en-US" dirty="0"/>
           </a:p>
@@ -3743,27 +3691,7 @@
           <a:p>
             <a:r>
               <a:rPr lang="en-US" dirty="0" smtClean="0"/>
-              <a:t>Simply change a property and call </a:t>
-            </a:r>
-            <a:r>
-              <a:rPr lang="en-US" dirty="0" err="1" smtClean="0"/>
-              <a:t>SaveChanges</a:t>
-            </a:r>
-            <a:r>
-              <a:rPr lang="en-US" dirty="0" smtClean="0"/>
-              <a:t> on the context</a:t>
-            </a:r>
-          </a:p>
-          <a:p>
-            <a:r>
-              <a:rPr lang="en-US" dirty="0" smtClean="0"/>
-              <a:t>EF tracks all entity property changes </a:t>
-            </a:r>
-            <a:r>
-              <a:rPr lang="en-US" dirty="0" smtClean="0">
-                <a:sym typeface="Wingdings" panose="05000000000000000000" pitchFamily="2" charset="2"/>
-              </a:rPr>
-              <a:t></a:t>
+              <a:t>EF Completely tracks state changes to all objects</a:t>
             </a:r>
             <a:endParaRPr lang="en-US" dirty="0"/>
           </a:p>
@@ -3772,7 +3700,7 @@
     </p:spTree>
     <p:extLst>
       <p:ext uri="{BB962C8B-B14F-4D97-AF65-F5344CB8AC3E}">
-        <p14:creationId xmlns:p14="http://schemas.microsoft.com/office/powerpoint/2010/main" val="3749841540"/>
+        <p14:creationId xmlns:p14="http://schemas.microsoft.com/office/powerpoint/2010/main" val="344860711"/>
       </p:ext>
     </p:extLst>
   </p:cSld>
@@ -3816,7 +3744,7 @@
           <a:p>
             <a:r>
               <a:rPr lang="en-US" dirty="0" smtClean="0"/>
-              <a:t>Deleting an Entity</a:t>
+              <a:t>Adding a new entity</a:t>
             </a:r>
             <a:endParaRPr lang="en-US" dirty="0"/>
           </a:p>
@@ -3839,7 +3767,65 @@
           <a:p>
             <a:r>
               <a:rPr lang="en-US" dirty="0" smtClean="0"/>
-              <a:t>.Remove on the collection, then .</a:t>
+              <a:t>Add it to the appropriate property of the context</a:t>
+            </a:r>
+          </a:p>
+          <a:p>
+            <a:pPr lvl="1"/>
+            <a:r>
+              <a:rPr lang="en-US" dirty="0" err="1" smtClean="0"/>
+              <a:t>DbContext</a:t>
+            </a:r>
+            <a:r>
+              <a:rPr lang="en-US" dirty="0" smtClean="0"/>
+              <a:t>.[Property].Add(object)</a:t>
+            </a:r>
+          </a:p>
+          <a:p>
+            <a:r>
+              <a:rPr lang="en-US" dirty="0" smtClean="0"/>
+              <a:t>Then</a:t>
+            </a:r>
+          </a:p>
+          <a:p>
+            <a:pPr lvl="1"/>
+            <a:r>
+              <a:rPr lang="en-US" dirty="0" err="1" smtClean="0"/>
+              <a:t>DbContext.SaveChanges</a:t>
+            </a:r>
+            <a:r>
+              <a:rPr lang="en-US" dirty="0" smtClean="0"/>
+              <a:t>()</a:t>
+            </a:r>
+          </a:p>
+          <a:p>
+            <a:pPr lvl="1"/>
+            <a:endParaRPr lang="en-US" dirty="0"/>
+          </a:p>
+          <a:p>
+            <a:pPr lvl="1"/>
+            <a:endParaRPr lang="en-US" dirty="0" smtClean="0"/>
+          </a:p>
+          <a:p>
+            <a:pPr lvl="1"/>
+            <a:endParaRPr lang="en-US" dirty="0"/>
+          </a:p>
+          <a:p>
+            <a:r>
+              <a:rPr lang="en-US" dirty="0" smtClean="0"/>
+              <a:t>Different from </a:t>
+            </a:r>
+            <a:r>
+              <a:rPr lang="en-US" dirty="0" err="1" smtClean="0"/>
+              <a:t>Nhibernate</a:t>
+            </a:r>
+            <a:endParaRPr lang="en-US" dirty="0"/>
+          </a:p>
+          <a:p>
+            <a:pPr lvl="1"/>
+            <a:r>
+              <a:rPr lang="en-US" dirty="0" smtClean="0"/>
+              <a:t>EF collects all object changes until you save </a:t>
             </a:r>
             <a:r>
               <a:rPr lang="en-US" dirty="0" err="1" smtClean="0"/>
@@ -3847,7 +3833,7 @@
             </a:r>
             <a:r>
               <a:rPr lang="en-US" dirty="0" smtClean="0"/>
-              <a:t>()</a:t>
+              <a:t> and then does them in bulk</a:t>
             </a:r>
             <a:endParaRPr lang="en-US" dirty="0"/>
           </a:p>
@@ -3856,7 +3842,7 @@
     </p:spTree>
     <p:extLst>
       <p:ext uri="{BB962C8B-B14F-4D97-AF65-F5344CB8AC3E}">
-        <p14:creationId xmlns:p14="http://schemas.microsoft.com/office/powerpoint/2010/main" val="3636441088"/>
+        <p14:creationId xmlns:p14="http://schemas.microsoft.com/office/powerpoint/2010/main" val="3756401994"/>
       </p:ext>
     </p:extLst>
   </p:cSld>
@@ -3900,7 +3886,7 @@
           <a:p>
             <a:r>
               <a:rPr lang="en-US" dirty="0" smtClean="0"/>
-              <a:t>Delete without Load</a:t>
+              <a:t>Updating an Entity</a:t>
             </a:r>
             <a:endParaRPr lang="en-US" dirty="0"/>
           </a:p>
@@ -3923,35 +3909,27 @@
           <a:p>
             <a:r>
               <a:rPr lang="en-US" dirty="0" smtClean="0"/>
-              <a:t>Use a stub object</a:t>
-            </a:r>
-          </a:p>
-          <a:p>
-            <a:r>
-              <a:rPr lang="en-US" dirty="0" smtClean="0"/>
-              <a:t>.Attach the stub to the collection</a:t>
-            </a:r>
-          </a:p>
-          <a:p>
-            <a:r>
-              <a:rPr lang="en-US" dirty="0" smtClean="0"/>
-              <a:t>Then .Remove it</a:t>
-            </a:r>
-          </a:p>
-          <a:p>
-            <a:endParaRPr lang="en-US" dirty="0"/>
-          </a:p>
-          <a:p>
-            <a:r>
-              <a:rPr lang="en-US" dirty="0" smtClean="0"/>
-              <a:t>Note:</a:t>
-            </a:r>
-          </a:p>
-          <a:p>
-            <a:pPr lvl="1"/>
-            <a:r>
-              <a:rPr lang="en-US" dirty="0" smtClean="0"/>
-              <a:t>Can’t attach an object already in memory</a:t>
+              <a:t>Simply change a property and call </a:t>
+            </a:r>
+            <a:r>
+              <a:rPr lang="en-US" dirty="0" err="1" smtClean="0"/>
+              <a:t>SaveChanges</a:t>
+            </a:r>
+            <a:r>
+              <a:rPr lang="en-US" dirty="0" smtClean="0"/>
+              <a:t> on the context</a:t>
+            </a:r>
+          </a:p>
+          <a:p>
+            <a:r>
+              <a:rPr lang="en-US" dirty="0" smtClean="0"/>
+              <a:t>EF tracks all entity property changes </a:t>
+            </a:r>
+            <a:r>
+              <a:rPr lang="en-US" dirty="0" smtClean="0">
+                <a:sym typeface="Wingdings" panose="05000000000000000000" pitchFamily="2" charset="2"/>
+              </a:rPr>
+              <a:t></a:t>
             </a:r>
             <a:endParaRPr lang="en-US" dirty="0"/>
           </a:p>
@@ -3960,7 +3938,7 @@
     </p:spTree>
     <p:extLst>
       <p:ext uri="{BB962C8B-B14F-4D97-AF65-F5344CB8AC3E}">
-        <p14:creationId xmlns:p14="http://schemas.microsoft.com/office/powerpoint/2010/main" val="3453717246"/>
+        <p14:creationId xmlns:p14="http://schemas.microsoft.com/office/powerpoint/2010/main" val="3749841540"/>
       </p:ext>
     </p:extLst>
   </p:cSld>
@@ -4004,7 +3982,7 @@
           <a:p>
             <a:r>
               <a:rPr lang="en-US" dirty="0" smtClean="0"/>
-              <a:t>Delete with relationships</a:t>
+              <a:t>Deleting an Entity</a:t>
             </a:r>
             <a:endParaRPr lang="en-US" dirty="0"/>
           </a:p>
@@ -4027,34 +4005,15 @@
           <a:p>
             <a:r>
               <a:rPr lang="en-US" dirty="0" smtClean="0"/>
-              <a:t>What happens depends on the relationship</a:t>
-            </a:r>
-          </a:p>
-          <a:p>
-            <a:pPr lvl="1"/>
-            <a:r>
-              <a:rPr lang="en-US" dirty="0" smtClean="0"/>
-              <a:t>Optional, child will not be deleted (Reservation in our example can exist without a Trip).</a:t>
-            </a:r>
-          </a:p>
-          <a:p>
-            <a:pPr lvl="1"/>
-            <a:r>
-              <a:rPr lang="en-US" dirty="0" smtClean="0"/>
-              <a:t>Required, child will be deleted (Lodging cannot exist without a Destination)</a:t>
-            </a:r>
-          </a:p>
-          <a:p>
-            <a:r>
-              <a:rPr lang="en-US" dirty="0" smtClean="0"/>
-              <a:t>Deleting a parent of an optional, then the relationship will be deleted</a:t>
-            </a:r>
-          </a:p>
-          <a:p>
-            <a:pPr lvl="1"/>
-            <a:r>
-              <a:rPr lang="en-US" dirty="0" smtClean="0"/>
-              <a:t>Null pointers back to the parent in the FK</a:t>
+              <a:t>.Remove on the collection, then .</a:t>
+            </a:r>
+            <a:r>
+              <a:rPr lang="en-US" dirty="0" err="1" smtClean="0"/>
+              <a:t>SaveChanges</a:t>
+            </a:r>
+            <a:r>
+              <a:rPr lang="en-US" dirty="0" smtClean="0"/>
+              <a:t>()</a:t>
             </a:r>
             <a:endParaRPr lang="en-US" dirty="0"/>
           </a:p>
@@ -4063,7 +4022,7 @@
     </p:spTree>
     <p:extLst>
       <p:ext uri="{BB962C8B-B14F-4D97-AF65-F5344CB8AC3E}">
-        <p14:creationId xmlns:p14="http://schemas.microsoft.com/office/powerpoint/2010/main" val="1275208569"/>
+        <p14:creationId xmlns:p14="http://schemas.microsoft.com/office/powerpoint/2010/main" val="3636441088"/>
       </p:ext>
     </p:extLst>
   </p:cSld>
@@ -4220,7 +4179,7 @@
           <a:p>
             <a:r>
               <a:rPr lang="en-US" dirty="0" smtClean="0"/>
-              <a:t>Change Tracking</a:t>
+              <a:t>Delete without Load</a:t>
             </a:r>
             <a:endParaRPr lang="en-US" dirty="0"/>
           </a:p>
@@ -4242,37 +4201,37 @@
           <a:lstStyle/>
           <a:p>
             <a:r>
-              <a:rPr lang="en-US" dirty="0" err="1" smtClean="0"/>
-              <a:t>DbContext</a:t>
-            </a:r>
-            <a:r>
-              <a:rPr lang="en-US" dirty="0" smtClean="0"/>
-              <a:t> has a </a:t>
-            </a:r>
-            <a:r>
-              <a:rPr lang="en-US" dirty="0" err="1" smtClean="0"/>
-              <a:t>ChangeTracker</a:t>
-            </a:r>
-            <a:r>
-              <a:rPr lang="en-US" dirty="0" smtClean="0"/>
-              <a:t> property</a:t>
-            </a:r>
-          </a:p>
-          <a:p>
-            <a:r>
-              <a:rPr lang="en-US" dirty="0" smtClean="0"/>
-              <a:t>Each object is tracked, and change state can be found with </a:t>
-            </a:r>
-            <a:r>
-              <a:rPr lang="en-US" dirty="0" err="1" smtClean="0"/>
-              <a:t>DbContext.Entry</a:t>
-            </a:r>
-            <a:r>
-              <a:rPr lang="en-US" dirty="0" smtClean="0"/>
-              <a:t>(object).State</a:t>
-            </a:r>
-          </a:p>
-          <a:p>
+              <a:rPr lang="en-US" dirty="0" smtClean="0"/>
+              <a:t>Use a stub object</a:t>
+            </a:r>
+          </a:p>
+          <a:p>
+            <a:r>
+              <a:rPr lang="en-US" dirty="0" smtClean="0"/>
+              <a:t>.Attach the stub to the collection</a:t>
+            </a:r>
+          </a:p>
+          <a:p>
+            <a:r>
+              <a:rPr lang="en-US" dirty="0" smtClean="0"/>
+              <a:t>Then .Remove it</a:t>
+            </a:r>
+          </a:p>
+          <a:p>
+            <a:endParaRPr lang="en-US" dirty="0"/>
+          </a:p>
+          <a:p>
+            <a:r>
+              <a:rPr lang="en-US" dirty="0" smtClean="0"/>
+              <a:t>Note:</a:t>
+            </a:r>
+          </a:p>
+          <a:p>
+            <a:pPr lvl="1"/>
+            <a:r>
+              <a:rPr lang="en-US" dirty="0" smtClean="0"/>
+              <a:t>Can’t attach an object already in memory</a:t>
+            </a:r>
             <a:endParaRPr lang="en-US" dirty="0"/>
           </a:p>
         </p:txBody>
@@ -4280,7 +4239,7 @@
     </p:spTree>
     <p:extLst>
       <p:ext uri="{BB962C8B-B14F-4D97-AF65-F5344CB8AC3E}">
-        <p14:creationId xmlns:p14="http://schemas.microsoft.com/office/powerpoint/2010/main" val="2938636808"/>
+        <p14:creationId xmlns:p14="http://schemas.microsoft.com/office/powerpoint/2010/main" val="3453717246"/>
       </p:ext>
     </p:extLst>
   </p:cSld>
@@ -4324,7 +4283,7 @@
           <a:p>
             <a:r>
               <a:rPr lang="en-US" dirty="0" smtClean="0"/>
-              <a:t>Change Tracking</a:t>
+              <a:t>Delete with relationships</a:t>
             </a:r>
             <a:endParaRPr lang="en-US" dirty="0"/>
           </a:p>
@@ -4347,67 +4306,34 @@
           <a:p>
             <a:r>
               <a:rPr lang="en-US" dirty="0" smtClean="0"/>
-              <a:t>Object will support </a:t>
-            </a:r>
-            <a:r>
-              <a:rPr lang="en-US" dirty="0" err="1" smtClean="0"/>
-              <a:t>IEntityWithChangeTracker</a:t>
-            </a:r>
-            <a:endParaRPr lang="en-US" dirty="0" smtClean="0"/>
+              <a:t>What happens depends on the relationship</a:t>
+            </a:r>
           </a:p>
           <a:p>
             <a:pPr lvl="1"/>
             <a:r>
               <a:rPr lang="en-US" dirty="0" smtClean="0"/>
-              <a:t>This is a proxy</a:t>
-            </a:r>
-          </a:p>
-          <a:p>
-            <a:r>
-              <a:rPr lang="en-US" dirty="0" smtClean="0"/>
-              <a:t>Objects from queries are proxies</a:t>
-            </a:r>
-          </a:p>
-          <a:p>
-            <a:r>
-              <a:rPr lang="en-US" dirty="0" smtClean="0"/>
-              <a:t>If an object creates other objects in a constructor, they will not be proxies if the parent is</a:t>
+              <a:t>Optional, child will not be deleted (Reservation in our example can exist without a Trip).</a:t>
             </a:r>
           </a:p>
           <a:p>
             <a:pPr lvl="1"/>
             <a:r>
               <a:rPr lang="en-US" dirty="0" smtClean="0"/>
-              <a:t>Fix using </a:t>
-            </a:r>
-            <a:r>
-              <a:rPr lang="en-US" dirty="0" err="1" smtClean="0"/>
-              <a:t>DbSet.Create</a:t>
-            </a:r>
-            <a:r>
-              <a:rPr lang="en-US" dirty="0" smtClean="0"/>
-              <a:t>()</a:t>
-            </a:r>
-          </a:p>
-          <a:p>
-            <a:r>
-              <a:rPr lang="en-US" dirty="0" smtClean="0"/>
-              <a:t>You can fetch without tracking using .</a:t>
-            </a:r>
-            <a:r>
-              <a:rPr lang="en-US" dirty="0" err="1" smtClean="0"/>
-              <a:t>AsNoTracking</a:t>
-            </a:r>
-            <a:r>
-              <a:rPr lang="en-US" dirty="0" smtClean="0"/>
-              <a:t>()</a:t>
+              <a:t>Required, child will be deleted (Lodging cannot exist without a Destination)</a:t>
+            </a:r>
+          </a:p>
+          <a:p>
+            <a:r>
+              <a:rPr lang="en-US" dirty="0" smtClean="0"/>
+              <a:t>Deleting a parent of an optional, then the relationship will be deleted</a:t>
             </a:r>
           </a:p>
           <a:p>
             <a:pPr lvl="1"/>
             <a:r>
               <a:rPr lang="en-US" dirty="0" smtClean="0"/>
-              <a:t>Can give better performance if you don’t need it</a:t>
+              <a:t>Null pointers back to the parent in the FK</a:t>
             </a:r>
             <a:endParaRPr lang="en-US" dirty="0"/>
           </a:p>
@@ -4416,7 +4342,7 @@
     </p:spTree>
     <p:extLst>
       <p:ext uri="{BB962C8B-B14F-4D97-AF65-F5344CB8AC3E}">
-        <p14:creationId xmlns:p14="http://schemas.microsoft.com/office/powerpoint/2010/main" val="2824272194"/>
+        <p14:creationId xmlns:p14="http://schemas.microsoft.com/office/powerpoint/2010/main" val="1275208569"/>
       </p:ext>
     </p:extLst>
   </p:cSld>
@@ -4459,6 +4385,246 @@
           <a:lstStyle/>
           <a:p>
             <a:r>
+              <a:rPr lang="en-US" dirty="0" smtClean="0"/>
+              <a:t>Change Tracking</a:t>
+            </a:r>
+            <a:endParaRPr lang="en-US" dirty="0"/>
+          </a:p>
+        </p:txBody>
+      </p:sp>
+      <p:sp>
+        <p:nvSpPr>
+          <p:cNvPr id="3" name="Content Placeholder 2"/>
+          <p:cNvSpPr>
+            <a:spLocks noGrp="1"/>
+          </p:cNvSpPr>
+          <p:nvPr>
+            <p:ph idx="1"/>
+          </p:nvPr>
+        </p:nvSpPr>
+        <p:spPr/>
+        <p:txBody>
+          <a:bodyPr/>
+          <a:lstStyle/>
+          <a:p>
+            <a:r>
+              <a:rPr lang="en-US" dirty="0" err="1" smtClean="0"/>
+              <a:t>DbContext</a:t>
+            </a:r>
+            <a:r>
+              <a:rPr lang="en-US" dirty="0" smtClean="0"/>
+              <a:t> has a </a:t>
+            </a:r>
+            <a:r>
+              <a:rPr lang="en-US" dirty="0" err="1" smtClean="0"/>
+              <a:t>ChangeTracker</a:t>
+            </a:r>
+            <a:r>
+              <a:rPr lang="en-US" dirty="0" smtClean="0"/>
+              <a:t> property</a:t>
+            </a:r>
+          </a:p>
+          <a:p>
+            <a:r>
+              <a:rPr lang="en-US" dirty="0" smtClean="0"/>
+              <a:t>Each object is tracked, and change state can be found with </a:t>
+            </a:r>
+            <a:r>
+              <a:rPr lang="en-US" dirty="0" err="1" smtClean="0"/>
+              <a:t>DbContext.Entry</a:t>
+            </a:r>
+            <a:r>
+              <a:rPr lang="en-US" dirty="0" smtClean="0"/>
+              <a:t>(object).State</a:t>
+            </a:r>
+          </a:p>
+          <a:p>
+            <a:endParaRPr lang="en-US" dirty="0"/>
+          </a:p>
+        </p:txBody>
+      </p:sp>
+    </p:spTree>
+    <p:extLst>
+      <p:ext uri="{BB962C8B-B14F-4D97-AF65-F5344CB8AC3E}">
+        <p14:creationId xmlns:p14="http://schemas.microsoft.com/office/powerpoint/2010/main" val="2938636808"/>
+      </p:ext>
+    </p:extLst>
+  </p:cSld>
+  <p:clrMapOvr>
+    <a:masterClrMapping/>
+  </p:clrMapOvr>
+</p:sld>
+</file>
+
+<file path=ppt/slides/slide23.xml><?xml version="1.0" encoding="utf-8"?>
+<p:sld xmlns:a="http://schemas.openxmlformats.org/drawingml/2006/main" xmlns:r="http://schemas.openxmlformats.org/officeDocument/2006/relationships" xmlns:p="http://schemas.openxmlformats.org/presentationml/2006/main">
+  <p:cSld>
+    <p:spTree>
+      <p:nvGrpSpPr>
+        <p:cNvPr id="1" name=""/>
+        <p:cNvGrpSpPr/>
+        <p:nvPr/>
+      </p:nvGrpSpPr>
+      <p:grpSpPr>
+        <a:xfrm>
+          <a:off x="0" y="0"/>
+          <a:ext cx="0" cy="0"/>
+          <a:chOff x="0" y="0"/>
+          <a:chExt cx="0" cy="0"/>
+        </a:xfrm>
+      </p:grpSpPr>
+      <p:sp>
+        <p:nvSpPr>
+          <p:cNvPr id="2" name="Title 1"/>
+          <p:cNvSpPr>
+            <a:spLocks noGrp="1"/>
+          </p:cNvSpPr>
+          <p:nvPr>
+            <p:ph type="title"/>
+          </p:nvPr>
+        </p:nvSpPr>
+        <p:spPr/>
+        <p:txBody>
+          <a:bodyPr/>
+          <a:lstStyle/>
+          <a:p>
+            <a:r>
+              <a:rPr lang="en-US" dirty="0" smtClean="0"/>
+              <a:t>Change Tracking</a:t>
+            </a:r>
+            <a:endParaRPr lang="en-US" dirty="0"/>
+          </a:p>
+        </p:txBody>
+      </p:sp>
+      <p:sp>
+        <p:nvSpPr>
+          <p:cNvPr id="3" name="Content Placeholder 2"/>
+          <p:cNvSpPr>
+            <a:spLocks noGrp="1"/>
+          </p:cNvSpPr>
+          <p:nvPr>
+            <p:ph idx="1"/>
+          </p:nvPr>
+        </p:nvSpPr>
+        <p:spPr/>
+        <p:txBody>
+          <a:bodyPr/>
+          <a:lstStyle/>
+          <a:p>
+            <a:r>
+              <a:rPr lang="en-US" dirty="0" smtClean="0"/>
+              <a:t>Object will support </a:t>
+            </a:r>
+            <a:r>
+              <a:rPr lang="en-US" dirty="0" err="1" smtClean="0"/>
+              <a:t>IEntityWithChangeTracker</a:t>
+            </a:r>
+            <a:endParaRPr lang="en-US" dirty="0" smtClean="0"/>
+          </a:p>
+          <a:p>
+            <a:pPr lvl="1"/>
+            <a:r>
+              <a:rPr lang="en-US" dirty="0" smtClean="0"/>
+              <a:t>This is a proxy</a:t>
+            </a:r>
+          </a:p>
+          <a:p>
+            <a:r>
+              <a:rPr lang="en-US" dirty="0" smtClean="0"/>
+              <a:t>Objects from queries are proxies</a:t>
+            </a:r>
+          </a:p>
+          <a:p>
+            <a:r>
+              <a:rPr lang="en-US" dirty="0" smtClean="0"/>
+              <a:t>If an object creates other objects in a constructor, they will not be proxies if the parent is</a:t>
+            </a:r>
+          </a:p>
+          <a:p>
+            <a:pPr lvl="1"/>
+            <a:r>
+              <a:rPr lang="en-US" dirty="0" smtClean="0"/>
+              <a:t>Fix using </a:t>
+            </a:r>
+            <a:r>
+              <a:rPr lang="en-US" dirty="0" err="1" smtClean="0"/>
+              <a:t>DbSet.Create</a:t>
+            </a:r>
+            <a:r>
+              <a:rPr lang="en-US" dirty="0" smtClean="0"/>
+              <a:t>()</a:t>
+            </a:r>
+          </a:p>
+          <a:p>
+            <a:r>
+              <a:rPr lang="en-US" dirty="0" smtClean="0"/>
+              <a:t>You can fetch without tracking using .</a:t>
+            </a:r>
+            <a:r>
+              <a:rPr lang="en-US" dirty="0" err="1" smtClean="0"/>
+              <a:t>AsNoTracking</a:t>
+            </a:r>
+            <a:r>
+              <a:rPr lang="en-US" dirty="0" smtClean="0"/>
+              <a:t>()</a:t>
+            </a:r>
+          </a:p>
+          <a:p>
+            <a:pPr lvl="1"/>
+            <a:r>
+              <a:rPr lang="en-US" dirty="0" smtClean="0"/>
+              <a:t>Can give better performance if you don’t need it</a:t>
+            </a:r>
+            <a:endParaRPr lang="en-US" dirty="0"/>
+          </a:p>
+        </p:txBody>
+      </p:sp>
+    </p:spTree>
+    <p:extLst>
+      <p:ext uri="{BB962C8B-B14F-4D97-AF65-F5344CB8AC3E}">
+        <p14:creationId xmlns:p14="http://schemas.microsoft.com/office/powerpoint/2010/main" val="2824272194"/>
+      </p:ext>
+    </p:extLst>
+  </p:cSld>
+  <p:clrMapOvr>
+    <a:masterClrMapping/>
+  </p:clrMapOvr>
+</p:sld>
+</file>
+
+<file path=ppt/slides/slide24.xml><?xml version="1.0" encoding="utf-8"?>
+<p:sld xmlns:a="http://schemas.openxmlformats.org/drawingml/2006/main" xmlns:r="http://schemas.openxmlformats.org/officeDocument/2006/relationships" xmlns:p="http://schemas.openxmlformats.org/presentationml/2006/main">
+  <p:cSld>
+    <p:spTree>
+      <p:nvGrpSpPr>
+        <p:cNvPr id="1" name=""/>
+        <p:cNvGrpSpPr/>
+        <p:nvPr/>
+      </p:nvGrpSpPr>
+      <p:grpSpPr>
+        <a:xfrm>
+          <a:off x="0" y="0"/>
+          <a:ext cx="0" cy="0"/>
+          <a:chOff x="0" y="0"/>
+          <a:chExt cx="0" cy="0"/>
+        </a:xfrm>
+      </p:grpSpPr>
+      <p:sp>
+        <p:nvSpPr>
+          <p:cNvPr id="2" name="Title 1"/>
+          <p:cNvSpPr>
+            <a:spLocks noGrp="1"/>
+          </p:cNvSpPr>
+          <p:nvPr>
+            <p:ph type="title"/>
+          </p:nvPr>
+        </p:nvSpPr>
+        <p:spPr/>
+        <p:txBody>
+          <a:bodyPr/>
+          <a:lstStyle/>
+          <a:p>
+            <a:r>
               <a:rPr lang="en-US" smtClean="0"/>
               <a:t>Summary</a:t>
             </a:r>
@@ -4512,7 +4678,7 @@
 </p:sld>
 </file>
 
-<file path=ppt/slides/slide23.xml><?xml version="1.0" encoding="utf-8"?>
+<file path=ppt/slides/slide25.xml><?xml version="1.0" encoding="utf-8"?>
 <p:sld xmlns:a="http://schemas.openxmlformats.org/drawingml/2006/main" xmlns:r="http://schemas.openxmlformats.org/officeDocument/2006/relationships" xmlns:p="http://schemas.openxmlformats.org/presentationml/2006/main">
   <p:cSld>
     <p:spTree>
@@ -5107,7 +5273,7 @@
           <a:p>
             <a:r>
               <a:rPr lang="en-US" dirty="0" smtClean="0"/>
-              <a:t>.Local</a:t>
+              <a:t>Demo</a:t>
             </a:r>
             <a:endParaRPr lang="en-US" dirty="0"/>
           </a:p>
@@ -5130,17 +5296,13 @@
           <a:p>
             <a:r>
               <a:rPr lang="en-US" dirty="0" smtClean="0"/>
-              <a:t>Access just data in the context</a:t>
-            </a:r>
-          </a:p>
-          <a:p>
-            <a:r>
-              <a:rPr lang="en-US" dirty="0" smtClean="0"/>
-              <a:t>Also supports .</a:t>
-            </a:r>
-            <a:r>
-              <a:rPr lang="en-US" dirty="0" err="1" smtClean="0"/>
-              <a:t>CollectionChanged</a:t>
+              <a:t>Basic LINQ, finding objects</a:t>
+            </a:r>
+          </a:p>
+          <a:p>
+            <a:r>
+              <a:rPr lang="en-US" dirty="0" smtClean="0"/>
+              <a:t>Ex 1-5</a:t>
             </a:r>
             <a:endParaRPr lang="en-US" dirty="0"/>
           </a:p>
@@ -5149,7 +5311,7 @@
     </p:spTree>
     <p:extLst>
       <p:ext uri="{BB962C8B-B14F-4D97-AF65-F5344CB8AC3E}">
-        <p14:creationId xmlns:p14="http://schemas.microsoft.com/office/powerpoint/2010/main" val="835614824"/>
+        <p14:creationId xmlns:p14="http://schemas.microsoft.com/office/powerpoint/2010/main" val="2818810109"/>
       </p:ext>
     </p:extLst>
   </p:cSld>
@@ -5192,8 +5354,8 @@
           <a:lstStyle/>
           <a:p>
             <a:r>
-              <a:rPr lang="en-US" smtClean="0"/>
-              <a:t>Lazy Loading</a:t>
+              <a:rPr lang="en-US" dirty="0" smtClean="0"/>
+              <a:t>.Local</a:t>
             </a:r>
             <a:endParaRPr lang="en-US" dirty="0"/>
           </a:p>
@@ -5215,37 +5377,18 @@
           <a:lstStyle/>
           <a:p>
             <a:r>
+              <a:rPr lang="en-US" dirty="0" smtClean="0"/>
+              <a:t>Access just data in the context</a:t>
+            </a:r>
+          </a:p>
+          <a:p>
+            <a:r>
+              <a:rPr lang="en-US" dirty="0" smtClean="0"/>
+              <a:t>Also supports .</a:t>
+            </a:r>
+            <a:r>
               <a:rPr lang="en-US" dirty="0" err="1" smtClean="0"/>
-              <a:t>Ctx.Configuration.LazyLoadingEnabled</a:t>
-            </a:r>
-            <a:endParaRPr lang="en-US" dirty="0" smtClean="0"/>
-          </a:p>
-          <a:p>
-            <a:pPr lvl="1"/>
-            <a:r>
-              <a:rPr lang="en-US" dirty="0" smtClean="0"/>
-              <a:t>True by default</a:t>
-            </a:r>
-          </a:p>
-          <a:p>
-            <a:r>
-              <a:rPr lang="en-US" dirty="0" smtClean="0"/>
-              <a:t>POCO must be public and not sealed</a:t>
-            </a:r>
-          </a:p>
-          <a:p>
-            <a:r>
-              <a:rPr lang="en-US" dirty="0" smtClean="0"/>
-              <a:t>Navigation properties must be virtual</a:t>
-            </a:r>
-          </a:p>
-          <a:p>
-            <a:endParaRPr lang="en-US" dirty="0"/>
-          </a:p>
-          <a:p>
-            <a:r>
-              <a:rPr lang="en-US" dirty="0" smtClean="0"/>
-              <a:t>Takes advantage or MARS</a:t>
+              <a:t>CollectionChanged</a:t>
             </a:r>
             <a:endParaRPr lang="en-US" dirty="0"/>
           </a:p>
@@ -5254,7 +5397,7 @@
     </p:spTree>
     <p:extLst>
       <p:ext uri="{BB962C8B-B14F-4D97-AF65-F5344CB8AC3E}">
-        <p14:creationId xmlns:p14="http://schemas.microsoft.com/office/powerpoint/2010/main" val="3078620380"/>
+        <p14:creationId xmlns:p14="http://schemas.microsoft.com/office/powerpoint/2010/main" val="835614824"/>
       </p:ext>
     </p:extLst>
   </p:cSld>
@@ -5297,8 +5440,8 @@
           <a:lstStyle/>
           <a:p>
             <a:r>
-              <a:rPr lang="en-US" dirty="0" smtClean="0"/>
-              <a:t>Eager Loading</a:t>
+              <a:rPr lang="en-US" smtClean="0"/>
+              <a:t>Lazy Loading</a:t>
             </a:r>
             <a:endParaRPr lang="en-US" dirty="0"/>
           </a:p>
@@ -5320,20 +5463,45 @@
           <a:lstStyle/>
           <a:p>
             <a:r>
-              <a:rPr lang="en-US" dirty="0" smtClean="0"/>
-              <a:t>.Include() in the query</a:t>
-            </a:r>
-          </a:p>
-          <a:p>
-            <a:r>
-              <a:rPr lang="en-US" dirty="0" smtClean="0"/>
-              <a:t>Forces a join</a:t>
-            </a:r>
-          </a:p>
-          <a:p>
-            <a:r>
-              <a:rPr lang="en-US" dirty="0" smtClean="0"/>
-              <a:t>Multiple can be included in one statement</a:t>
+              <a:rPr lang="en-US" dirty="0" err="1" smtClean="0"/>
+              <a:t>Ctx.Configuration.LazyLoadingEnabled</a:t>
+            </a:r>
+            <a:endParaRPr lang="en-US" dirty="0" smtClean="0"/>
+          </a:p>
+          <a:p>
+            <a:pPr lvl="1"/>
+            <a:r>
+              <a:rPr lang="en-US" dirty="0" smtClean="0"/>
+              <a:t>True by default</a:t>
+            </a:r>
+          </a:p>
+          <a:p>
+            <a:r>
+              <a:rPr lang="en-US" dirty="0" smtClean="0"/>
+              <a:t>POCO must be public and not sealed</a:t>
+            </a:r>
+          </a:p>
+          <a:p>
+            <a:r>
+              <a:rPr lang="en-US" dirty="0" smtClean="0"/>
+              <a:t>Navigation properties must be virtual</a:t>
+            </a:r>
+          </a:p>
+          <a:p>
+            <a:endParaRPr lang="en-US" dirty="0"/>
+          </a:p>
+          <a:p>
+            <a:r>
+              <a:rPr lang="en-US" dirty="0" smtClean="0"/>
+              <a:t>Takes advantage </a:t>
+            </a:r>
+            <a:r>
+              <a:rPr lang="en-US" dirty="0" smtClean="0"/>
+              <a:t>of SQL Server </a:t>
+            </a:r>
+            <a:r>
+              <a:rPr lang="en-US" dirty="0" smtClean="0"/>
+              <a:t>Multiple Active Result Sets (MARS)</a:t>
             </a:r>
             <a:endParaRPr lang="en-US" dirty="0"/>
           </a:p>
@@ -5342,7 +5510,7 @@
     </p:spTree>
     <p:extLst>
       <p:ext uri="{BB962C8B-B14F-4D97-AF65-F5344CB8AC3E}">
-        <p14:creationId xmlns:p14="http://schemas.microsoft.com/office/powerpoint/2010/main" val="2124628142"/>
+        <p14:creationId xmlns:p14="http://schemas.microsoft.com/office/powerpoint/2010/main" val="3078620380"/>
       </p:ext>
     </p:extLst>
   </p:cSld>
